--- a/test/Australia Int’l Trading report.pptx
+++ b/test/Australia Int’l Trading report.pptx
@@ -12,7 +12,8 @@
     <p:sldId id="260" r:id="rId6"/>
     <p:sldId id="261" r:id="rId7"/>
     <p:sldId id="262" r:id="rId8"/>
-    <p:sldId id="263" r:id="rId9"/>
+    <p:sldId id="264" r:id="rId9"/>
+    <p:sldId id="263" r:id="rId10"/>
   </p:sldIdLst>
   <p:sldSz cx="12192000" cy="6858000"/>
   <p:notesSz cx="6858000" cy="9144000"/>
@@ -1635,7 +1636,14 @@
         <a:lstStyle/>
         <a:p>
           <a:r>
-            <a:rPr lang="en-AU" dirty="0"/>
+            <a:rPr lang="en-AU" dirty="0">
+              <a:solidFill>
+                <a:schemeClr val="bg1">
+                  <a:lumMod val="95000"/>
+                  <a:lumOff val="5000"/>
+                </a:schemeClr>
+              </a:solidFill>
+            </a:rPr>
             <a:t>PostgreSQL</a:t>
           </a:r>
         </a:p>
@@ -1664,14 +1672,21 @@
       </dgm:t>
     </dgm:pt>
     <dgm:pt modelId="{88779AF8-335E-49AA-97A0-D3E0E3737E4E}">
-      <dgm:prSet phldrT="[Text]"/>
+      <dgm:prSet phldrT="[Text]" custT="1"/>
       <dgm:spPr/>
       <dgm:t>
         <a:bodyPr/>
         <a:lstStyle/>
         <a:p>
           <a:r>
-            <a:rPr lang="en-AU" dirty="0"/>
+            <a:rPr lang="en-AU" sz="1600" dirty="0">
+              <a:solidFill>
+                <a:schemeClr val="bg1">
+                  <a:lumMod val="95000"/>
+                  <a:lumOff val="5000"/>
+                </a:schemeClr>
+              </a:solidFill>
+            </a:rPr>
             <a:t>Pandas</a:t>
           </a:r>
         </a:p>
@@ -1700,14 +1715,21 @@
       </dgm:t>
     </dgm:pt>
     <dgm:pt modelId="{ED8CA658-5102-4730-A13D-425DB4DB2633}">
-      <dgm:prSet phldrT="[Text]"/>
+      <dgm:prSet phldrT="[Text]" custT="1"/>
       <dgm:spPr/>
       <dgm:t>
         <a:bodyPr/>
         <a:lstStyle/>
         <a:p>
           <a:r>
-            <a:rPr lang="en-AU" dirty="0"/>
+            <a:rPr lang="en-AU" sz="1600" dirty="0">
+              <a:solidFill>
+                <a:schemeClr val="bg1">
+                  <a:lumMod val="95000"/>
+                  <a:lumOff val="5000"/>
+                </a:schemeClr>
+              </a:solidFill>
+            </a:rPr>
             <a:t>Json</a:t>
           </a:r>
         </a:p>
@@ -1769,14 +1791,21 @@
       </dgm:t>
     </dgm:pt>
     <dgm:pt modelId="{464DDF95-7BAE-4C9C-9CF9-617A43A4D9D5}">
-      <dgm:prSet/>
+      <dgm:prSet custT="1"/>
       <dgm:spPr/>
       <dgm:t>
         <a:bodyPr/>
         <a:lstStyle/>
         <a:p>
           <a:r>
-            <a:rPr lang="en-AU" dirty="0"/>
+            <a:rPr lang="en-AU" sz="1400" dirty="0">
+              <a:solidFill>
+                <a:schemeClr val="bg1">
+                  <a:lumMod val="95000"/>
+                  <a:lumOff val="5000"/>
+                </a:schemeClr>
+              </a:solidFill>
+            </a:rPr>
             <a:t>MongoDB</a:t>
           </a:r>
         </a:p>
@@ -1935,14 +1964,21 @@
       </dgm:t>
     </dgm:pt>
     <dgm:pt modelId="{0C0BA659-8072-49A7-B961-B0D07DB4E018}">
-      <dgm:prSet phldrT="[Text]"/>
+      <dgm:prSet phldrT="[Text]" custT="1"/>
       <dgm:spPr/>
       <dgm:t>
         <a:bodyPr/>
         <a:lstStyle/>
         <a:p>
           <a:r>
-            <a:rPr lang="en-AU" dirty="0"/>
+            <a:rPr lang="en-AU" sz="2000" dirty="0">
+              <a:solidFill>
+                <a:schemeClr val="bg1">
+                  <a:lumMod val="95000"/>
+                  <a:lumOff val="5000"/>
+                </a:schemeClr>
+              </a:solidFill>
+            </a:rPr>
             <a:t>D3</a:t>
           </a:r>
         </a:p>
@@ -1967,14 +2003,43 @@
         <a:lstStyle/>
         <a:p>
           <a:r>
-            <a:rPr lang="en-AU" dirty="0"/>
+            <a:rPr lang="en-AU" dirty="0">
+              <a:solidFill>
+                <a:schemeClr val="bg1">
+                  <a:lumMod val="95000"/>
+                  <a:lumOff val="5000"/>
+                </a:schemeClr>
+              </a:solidFill>
+            </a:rPr>
             <a:t>GEOJSON</a:t>
           </a:r>
         </a:p>
         <a:p>
           <a:r>
+            <a:rPr lang="en-AU" dirty="0">
+              <a:solidFill>
+                <a:schemeClr val="bg1">
+                  <a:lumMod val="95000"/>
+                  <a:lumOff val="5000"/>
+                </a:schemeClr>
+              </a:solidFill>
+            </a:rPr>
+            <a:t>&amp;</a:t>
+          </a:r>
+          <a:r>
             <a:rPr lang="en-AU" dirty="0"/>
-            <a:t>&amp; JSON</a:t>
+            <a:t> </a:t>
+          </a:r>
+          <a:r>
+            <a:rPr lang="en-AU" dirty="0">
+              <a:solidFill>
+                <a:schemeClr val="bg1">
+                  <a:lumMod val="95000"/>
+                  <a:lumOff val="5000"/>
+                </a:schemeClr>
+              </a:solidFill>
+            </a:rPr>
+            <a:t>JSON</a:t>
           </a:r>
         </a:p>
       </dgm:t>
@@ -2016,14 +2081,22 @@
       </dgm:t>
     </dgm:pt>
     <dgm:pt modelId="{7769DA41-11D1-4562-87E7-30103C350650}">
-      <dgm:prSet phldrT="[Text]"/>
+      <dgm:prSet phldrT="[Text]" custT="1"/>
       <dgm:spPr/>
       <dgm:t>
         <a:bodyPr/>
         <a:lstStyle/>
         <a:p>
           <a:r>
-            <a:rPr lang="en-AU" dirty="0"/>
+            <a:rPr lang="en-AU" sz="2800" dirty="0">
+              <a:solidFill>
+                <a:schemeClr val="bg1">
+                  <a:lumMod val="95000"/>
+                  <a:lumOff val="5000"/>
+                </a:schemeClr>
+              </a:solidFill>
+              <a:latin typeface="Arial Black" panose="020B0A04020102020204" pitchFamily="34" charset="0"/>
+            </a:rPr>
             <a:t>JS</a:t>
           </a:r>
         </a:p>
@@ -2041,14 +2114,21 @@
       </dgm:t>
     </dgm:pt>
     <dgm:pt modelId="{87695F54-802B-4050-A206-64AF19357FB8}" type="sibTrans" cxnId="{A75243D8-05F9-4759-A225-CCA622169F30}">
-      <dgm:prSet/>
+      <dgm:prSet custT="1"/>
       <dgm:spPr/>
       <dgm:t>
         <a:bodyPr/>
         <a:lstStyle/>
         <a:p>
           <a:r>
-            <a:rPr lang="en-AU" dirty="0"/>
+            <a:rPr lang="en-AU" sz="2000" dirty="0">
+              <a:solidFill>
+                <a:schemeClr val="bg1">
+                  <a:lumMod val="95000"/>
+                  <a:lumOff val="5000"/>
+                </a:schemeClr>
+              </a:solidFill>
+            </a:rPr>
             <a:t>HTML</a:t>
           </a:r>
         </a:p>
@@ -2098,7 +2178,14 @@
         <a:lstStyle/>
         <a:p>
           <a:r>
-            <a:rPr lang="en-AU" dirty="0"/>
+            <a:rPr lang="en-AU" dirty="0">
+              <a:solidFill>
+                <a:schemeClr val="bg1">
+                  <a:lumMod val="95000"/>
+                  <a:lumOff val="5000"/>
+                </a:schemeClr>
+              </a:solidFill>
+            </a:rPr>
             <a:t>Leaflet</a:t>
           </a:r>
         </a:p>
@@ -2116,14 +2203,21 @@
       </dgm:t>
     </dgm:pt>
     <dgm:pt modelId="{62D0C9A4-2A94-4780-A576-0D420EFB69DC}" type="sibTrans" cxnId="{83E9C666-6978-461B-B430-90204EF6AD5C}">
-      <dgm:prSet/>
+      <dgm:prSet custT="1"/>
       <dgm:spPr/>
       <dgm:t>
         <a:bodyPr/>
         <a:lstStyle/>
         <a:p>
           <a:r>
-            <a:rPr lang="en-AU" dirty="0"/>
+            <a:rPr lang="en-AU" sz="2000" dirty="0">
+              <a:solidFill>
+                <a:schemeClr val="bg1">
+                  <a:lumMod val="95000"/>
+                  <a:lumOff val="5000"/>
+                </a:schemeClr>
+              </a:solidFill>
+            </a:rPr>
             <a:t>CSS</a:t>
           </a:r>
         </a:p>
@@ -2249,7 +2343,7 @@
       <dgm:spPr/>
     </dgm:pt>
     <dgm:pt modelId="{2247502E-93EE-4FE1-BB52-901D434A024E}" type="pres">
-      <dgm:prSet presAssocID="{87695F54-802B-4050-A206-64AF19357FB8}" presName="Accent1Text" presStyleLbl="node1" presStyleIdx="3" presStyleCnt="6" custLinFactNeighborX="-3042" custLinFactNeighborY="0"/>
+      <dgm:prSet presAssocID="{87695F54-802B-4050-A206-64AF19357FB8}" presName="Accent1Text" presStyleLbl="node1" presStyleIdx="3" presStyleCnt="6" custLinFactNeighborX="-764" custLinFactNeighborY="782"/>
       <dgm:spPr/>
     </dgm:pt>
     <dgm:pt modelId="{DB239547-098A-4DEC-B273-5E0C2AC71D00}" type="pres">
@@ -2456,7 +2550,14 @@
             <a:buNone/>
           </a:pPr>
           <a:r>
-            <a:rPr lang="en-AU" sz="1300" kern="1200" dirty="0"/>
+            <a:rPr lang="en-AU" sz="1300" kern="1200" dirty="0">
+              <a:solidFill>
+                <a:schemeClr val="bg1">
+                  <a:lumMod val="95000"/>
+                  <a:lumOff val="5000"/>
+                </a:schemeClr>
+              </a:solidFill>
+            </a:rPr>
             <a:t>PostgreSQL</a:t>
           </a:r>
         </a:p>
@@ -2515,12 +2616,12 @@
         </a:fontRef>
       </dsp:style>
       <dsp:txBody>
-        <a:bodyPr spcFirstLastPara="0" vert="horz" wrap="square" lIns="49530" tIns="49530" rIns="49530" bIns="49530" numCol="1" spcCol="1270" anchor="ctr" anchorCtr="0">
+        <a:bodyPr spcFirstLastPara="0" vert="horz" wrap="square" lIns="60960" tIns="60960" rIns="60960" bIns="60960" numCol="1" spcCol="1270" anchor="ctr" anchorCtr="0">
           <a:noAutofit/>
         </a:bodyPr>
         <a:lstStyle/>
         <a:p>
-          <a:pPr marL="0" lvl="0" indent="0" algn="ctr" defTabSz="577850">
+          <a:pPr marL="0" lvl="0" indent="0" algn="ctr" defTabSz="711200">
             <a:lnSpc>
               <a:spcPct val="90000"/>
             </a:lnSpc>
@@ -2533,7 +2634,14 @@
             <a:buNone/>
           </a:pPr>
           <a:r>
-            <a:rPr lang="en-AU" sz="1300" kern="1200" dirty="0"/>
+            <a:rPr lang="en-AU" sz="1600" kern="1200" dirty="0">
+              <a:solidFill>
+                <a:schemeClr val="bg1">
+                  <a:lumMod val="95000"/>
+                  <a:lumOff val="5000"/>
+                </a:schemeClr>
+              </a:solidFill>
+            </a:rPr>
             <a:t>Pandas</a:t>
           </a:r>
         </a:p>
@@ -2592,12 +2700,12 @@
         </a:fontRef>
       </dsp:style>
       <dsp:txBody>
-        <a:bodyPr spcFirstLastPara="0" vert="horz" wrap="square" lIns="49530" tIns="49530" rIns="49530" bIns="49530" numCol="1" spcCol="1270" anchor="ctr" anchorCtr="0">
+        <a:bodyPr spcFirstLastPara="0" vert="horz" wrap="square" lIns="60960" tIns="60960" rIns="60960" bIns="60960" numCol="1" spcCol="1270" anchor="ctr" anchorCtr="0">
           <a:noAutofit/>
         </a:bodyPr>
         <a:lstStyle/>
         <a:p>
-          <a:pPr marL="0" lvl="0" indent="0" algn="ctr" defTabSz="577850">
+          <a:pPr marL="0" lvl="0" indent="0" algn="ctr" defTabSz="711200">
             <a:lnSpc>
               <a:spcPct val="90000"/>
             </a:lnSpc>
@@ -2610,7 +2718,14 @@
             <a:buNone/>
           </a:pPr>
           <a:r>
-            <a:rPr lang="en-AU" sz="1300" kern="1200" dirty="0"/>
+            <a:rPr lang="en-AU" sz="1600" kern="1200" dirty="0">
+              <a:solidFill>
+                <a:schemeClr val="bg1">
+                  <a:lumMod val="95000"/>
+                  <a:lumOff val="5000"/>
+                </a:schemeClr>
+              </a:solidFill>
+            </a:rPr>
             <a:t>Json</a:t>
           </a:r>
         </a:p>
@@ -2669,12 +2784,12 @@
         </a:fontRef>
       </dsp:style>
       <dsp:txBody>
-        <a:bodyPr spcFirstLastPara="0" vert="horz" wrap="square" lIns="49530" tIns="49530" rIns="49530" bIns="49530" numCol="1" spcCol="1270" anchor="ctr" anchorCtr="0">
+        <a:bodyPr spcFirstLastPara="0" vert="horz" wrap="square" lIns="53340" tIns="53340" rIns="53340" bIns="53340" numCol="1" spcCol="1270" anchor="ctr" anchorCtr="0">
           <a:noAutofit/>
         </a:bodyPr>
         <a:lstStyle/>
         <a:p>
-          <a:pPr marL="0" lvl="0" indent="0" algn="ctr" defTabSz="577850">
+          <a:pPr marL="0" lvl="0" indent="0" algn="ctr" defTabSz="622300">
             <a:lnSpc>
               <a:spcPct val="90000"/>
             </a:lnSpc>
@@ -2687,7 +2802,14 @@
             <a:buNone/>
           </a:pPr>
           <a:r>
-            <a:rPr lang="en-AU" sz="1300" kern="1200" dirty="0"/>
+            <a:rPr lang="en-AU" sz="1400" kern="1200" dirty="0">
+              <a:solidFill>
+                <a:schemeClr val="bg1">
+                  <a:lumMod val="95000"/>
+                  <a:lumOff val="5000"/>
+                </a:schemeClr>
+              </a:solidFill>
+            </a:rPr>
             <a:t>MongoDB</a:t>
           </a:r>
         </a:p>
@@ -2761,12 +2883,12 @@
         </a:fontRef>
       </dsp:style>
       <dsp:txBody>
-        <a:bodyPr spcFirstLastPara="0" vert="horz" wrap="square" lIns="64770" tIns="64770" rIns="64770" bIns="64770" numCol="1" spcCol="1270" anchor="ctr" anchorCtr="0">
+        <a:bodyPr spcFirstLastPara="0" vert="horz" wrap="square" lIns="76200" tIns="76200" rIns="76200" bIns="76200" numCol="1" spcCol="1270" anchor="ctr" anchorCtr="0">
           <a:noAutofit/>
         </a:bodyPr>
         <a:lstStyle/>
         <a:p>
-          <a:pPr marL="0" lvl="0" indent="0" algn="ctr" defTabSz="755650">
+          <a:pPr marL="0" lvl="0" indent="0" algn="ctr" defTabSz="889000">
             <a:lnSpc>
               <a:spcPct val="90000"/>
             </a:lnSpc>
@@ -2779,7 +2901,14 @@
             <a:buNone/>
           </a:pPr>
           <a:r>
-            <a:rPr lang="en-AU" sz="1700" kern="1200" dirty="0"/>
+            <a:rPr lang="en-AU" sz="2000" kern="1200" dirty="0">
+              <a:solidFill>
+                <a:schemeClr val="bg1">
+                  <a:lumMod val="95000"/>
+                  <a:lumOff val="5000"/>
+                </a:schemeClr>
+              </a:solidFill>
+            </a:rPr>
             <a:t>D3</a:t>
           </a:r>
         </a:p>
@@ -2919,7 +3048,14 @@
             <a:buNone/>
           </a:pPr>
           <a:r>
-            <a:rPr lang="en-AU" sz="1300" kern="1200" dirty="0"/>
+            <a:rPr lang="en-AU" sz="1300" kern="1200" dirty="0">
+              <a:solidFill>
+                <a:schemeClr val="bg1">
+                  <a:lumMod val="95000"/>
+                  <a:lumOff val="5000"/>
+                </a:schemeClr>
+              </a:solidFill>
+            </a:rPr>
             <a:t>GEOJSON</a:t>
           </a:r>
         </a:p>
@@ -2937,8 +3073,30 @@
             <a:buNone/>
           </a:pPr>
           <a:r>
+            <a:rPr lang="en-AU" sz="1300" kern="1200" dirty="0">
+              <a:solidFill>
+                <a:schemeClr val="bg1">
+                  <a:lumMod val="95000"/>
+                  <a:lumOff val="5000"/>
+                </a:schemeClr>
+              </a:solidFill>
+            </a:rPr>
+            <a:t>&amp;</a:t>
+          </a:r>
+          <a:r>
             <a:rPr lang="en-AU" sz="1300" kern="1200" dirty="0"/>
-            <a:t>&amp; JSON</a:t>
+            <a:t> </a:t>
+          </a:r>
+          <a:r>
+            <a:rPr lang="en-AU" sz="1300" kern="1200" dirty="0">
+              <a:solidFill>
+                <a:schemeClr val="bg1">
+                  <a:lumMod val="95000"/>
+                  <a:lumOff val="5000"/>
+                </a:schemeClr>
+              </a:solidFill>
+            </a:rPr>
+            <a:t>JSON</a:t>
           </a:r>
         </a:p>
       </dsp:txBody>
@@ -2999,12 +3157,12 @@
         </a:fontRef>
       </dsp:style>
       <dsp:txBody>
-        <a:bodyPr spcFirstLastPara="0" vert="horz" wrap="square" lIns="64770" tIns="64770" rIns="64770" bIns="64770" numCol="1" spcCol="1270" anchor="ctr" anchorCtr="0">
+        <a:bodyPr spcFirstLastPara="0" vert="horz" wrap="square" lIns="106680" tIns="106680" rIns="106680" bIns="106680" numCol="1" spcCol="1270" anchor="ctr" anchorCtr="0">
           <a:noAutofit/>
         </a:bodyPr>
         <a:lstStyle/>
         <a:p>
-          <a:pPr marL="0" lvl="0" indent="0" algn="ctr" defTabSz="755650">
+          <a:pPr marL="0" lvl="0" indent="0" algn="ctr" defTabSz="1244600">
             <a:lnSpc>
               <a:spcPct val="90000"/>
             </a:lnSpc>
@@ -3017,7 +3175,15 @@
             <a:buNone/>
           </a:pPr>
           <a:r>
-            <a:rPr lang="en-AU" sz="1700" kern="1200" dirty="0"/>
+            <a:rPr lang="en-AU" sz="2800" kern="1200" dirty="0">
+              <a:solidFill>
+                <a:schemeClr val="bg1">
+                  <a:lumMod val="95000"/>
+                  <a:lumOff val="5000"/>
+                </a:schemeClr>
+              </a:solidFill>
+              <a:latin typeface="Arial Black" panose="020B0A04020102020204" pitchFamily="34" charset="0"/>
+            </a:rPr>
             <a:t>JS</a:t>
           </a:r>
         </a:p>
@@ -3094,7 +3260,7 @@
       </dsp:nvSpPr>
       <dsp:spPr>
         <a:xfrm rot="5400000">
-          <a:off x="2812416" y="1223116"/>
+          <a:off x="2838929" y="1233577"/>
           <a:ext cx="1337777" cy="1163866"/>
         </a:xfrm>
         <a:prstGeom prst="hexagon">
@@ -3144,7 +3310,7 @@
         </a:bodyPr>
         <a:lstStyle/>
         <a:p>
-          <a:pPr marL="0" lvl="0" indent="0" algn="ctr" defTabSz="1022350">
+          <a:pPr marL="0" lvl="0" indent="0" algn="ctr" defTabSz="889000">
             <a:lnSpc>
               <a:spcPct val="90000"/>
             </a:lnSpc>
@@ -3157,13 +3323,20 @@
             <a:buNone/>
           </a:pPr>
           <a:r>
-            <a:rPr lang="en-AU" sz="2300" kern="1200" dirty="0"/>
+            <a:rPr lang="en-AU" sz="2000" kern="1200" dirty="0">
+              <a:solidFill>
+                <a:schemeClr val="bg1">
+                  <a:lumMod val="95000"/>
+                  <a:lumOff val="5000"/>
+                </a:schemeClr>
+              </a:solidFill>
+            </a:rPr>
             <a:t>HTML</a:t>
           </a:r>
         </a:p>
       </dsp:txBody>
       <dsp:txXfrm rot="-5400000">
-        <a:off x="3080740" y="1344631"/>
+        <a:off x="3107253" y="1355092"/>
         <a:ext cx="801128" cy="920837"/>
       </dsp:txXfrm>
     </dsp:sp>
@@ -3237,7 +3410,14 @@
             <a:buNone/>
           </a:pPr>
           <a:r>
-            <a:rPr lang="en-AU" sz="1700" kern="1200" dirty="0"/>
+            <a:rPr lang="en-AU" sz="1700" kern="1200" dirty="0">
+              <a:solidFill>
+                <a:schemeClr val="bg1">
+                  <a:lumMod val="95000"/>
+                  <a:lumOff val="5000"/>
+                </a:schemeClr>
+              </a:solidFill>
+            </a:rPr>
             <a:t>Leaflet</a:t>
           </a:r>
         </a:p>
@@ -3364,7 +3544,7 @@
         </a:bodyPr>
         <a:lstStyle/>
         <a:p>
-          <a:pPr marL="0" lvl="0" indent="0" algn="ctr" defTabSz="1511300">
+          <a:pPr marL="0" lvl="0" indent="0" algn="ctr" defTabSz="889000">
             <a:lnSpc>
               <a:spcPct val="90000"/>
             </a:lnSpc>
@@ -3377,7 +3557,14 @@
             <a:buNone/>
           </a:pPr>
           <a:r>
-            <a:rPr lang="en-AU" sz="3400" kern="1200" dirty="0"/>
+            <a:rPr lang="en-AU" sz="2000" kern="1200" dirty="0">
+              <a:solidFill>
+                <a:schemeClr val="bg1">
+                  <a:lumMod val="95000"/>
+                  <a:lumOff val="5000"/>
+                </a:schemeClr>
+              </a:solidFill>
+            </a:rPr>
             <a:t>CSS</a:t>
           </a:r>
         </a:p>
@@ -9528,14 +9715,35 @@
           <a:lstStyle/>
           <a:p>
             <a:r>
-              <a:rPr lang="en-GB" dirty="0"/>
+              <a:rPr lang="en-GB" dirty="0">
+                <a:solidFill>
+                  <a:schemeClr val="bg1">
+                    <a:lumMod val="95000"/>
+                    <a:lumOff val="5000"/>
+                  </a:schemeClr>
+                </a:solidFill>
+              </a:rPr>
               <a:t>CSV and </a:t>
             </a:r>
             <a:r>
-              <a:rPr lang="en-GB" dirty="0" err="1"/>
+              <a:rPr lang="en-GB" dirty="0" err="1">
+                <a:solidFill>
+                  <a:schemeClr val="bg1">
+                    <a:lumMod val="95000"/>
+                    <a:lumOff val="5000"/>
+                  </a:schemeClr>
+                </a:solidFill>
+              </a:rPr>
               <a:t>Geojson</a:t>
             </a:r>
-            <a:endParaRPr lang="en-AU" dirty="0"/>
+            <a:endParaRPr lang="en-AU" dirty="0">
+              <a:solidFill>
+                <a:schemeClr val="bg1">
+                  <a:lumMod val="95000"/>
+                  <a:lumOff val="5000"/>
+                </a:schemeClr>
+              </a:solidFill>
+            </a:endParaRPr>
           </a:p>
         </p:txBody>
       </p:sp>
@@ -9598,7 +9806,7 @@
           <p:nvPr>
             <p:extLst>
               <p:ext uri="{D42A27DB-BD31-4B8C-83A1-F6EECF244321}">
-                <p14:modId xmlns:p14="http://schemas.microsoft.com/office/powerpoint/2010/main" val="3920265948"/>
+                <p14:modId xmlns:p14="http://schemas.microsoft.com/office/powerpoint/2010/main" val="2778809020"/>
               </p:ext>
             </p:extLst>
           </p:nvPr>
@@ -9626,7 +9834,7 @@
           <p:nvPr>
             <p:extLst>
               <p:ext uri="{D42A27DB-BD31-4B8C-83A1-F6EECF244321}">
-                <p14:modId xmlns:p14="http://schemas.microsoft.com/office/powerpoint/2010/main" val="911381199"/>
+                <p14:modId xmlns:p14="http://schemas.microsoft.com/office/powerpoint/2010/main" val="4139520342"/>
               </p:ext>
             </p:extLst>
           </p:nvPr>
@@ -9735,8 +9943,8 @@
         </p:nvSpPr>
         <p:spPr>
           <a:xfrm>
-            <a:off x="1451579" y="804520"/>
-            <a:ext cx="9291215" cy="763024"/>
+            <a:off x="1451579" y="583096"/>
+            <a:ext cx="9291215" cy="689113"/>
           </a:xfrm>
         </p:spPr>
         <p:txBody>
@@ -9772,8 +9980,8 @@
         </p:blipFill>
         <p:spPr>
           <a:xfrm>
-            <a:off x="819397" y="1567544"/>
-            <a:ext cx="10569040" cy="4485936"/>
+            <a:off x="819397" y="1272210"/>
+            <a:ext cx="10569040" cy="4558748"/>
           </a:xfrm>
           <a:prstGeom prst="rect">
             <a:avLst/>
@@ -9828,8 +10036,8 @@
         </p:nvSpPr>
         <p:spPr>
           <a:xfrm>
-            <a:off x="1451579" y="795647"/>
-            <a:ext cx="9291215" cy="760021"/>
+            <a:off x="1451579" y="583097"/>
+            <a:ext cx="9291215" cy="636103"/>
           </a:xfrm>
         </p:spPr>
         <p:txBody>
@@ -9865,8 +10073,8 @@
         </p:blipFill>
         <p:spPr>
           <a:xfrm>
-            <a:off x="1449206" y="1555668"/>
-            <a:ext cx="9309838" cy="4631376"/>
+            <a:off x="1449206" y="1219200"/>
+            <a:ext cx="9309838" cy="4572000"/>
           </a:xfrm>
           <a:prstGeom prst="rect">
             <a:avLst/>
@@ -9921,8 +10129,8 @@
         </p:nvSpPr>
         <p:spPr>
           <a:xfrm>
-            <a:off x="1451579" y="804519"/>
-            <a:ext cx="9291215" cy="703647"/>
+            <a:off x="1451579" y="530088"/>
+            <a:ext cx="9291215" cy="563216"/>
           </a:xfrm>
         </p:spPr>
         <p:txBody>
@@ -9958,8 +10166,8 @@
         </p:blipFill>
         <p:spPr>
           <a:xfrm>
-            <a:off x="1449205" y="1508166"/>
-            <a:ext cx="9291215" cy="4545315"/>
+            <a:off x="1449205" y="1219200"/>
+            <a:ext cx="9291215" cy="4545497"/>
           </a:xfrm>
           <a:prstGeom prst="rect">
             <a:avLst/>
@@ -10014,17 +10222,19 @@
         </p:nvSpPr>
         <p:spPr>
           <a:xfrm>
-            <a:off x="1451579" y="804519"/>
-            <a:ext cx="9291215" cy="715523"/>
+            <a:off x="1451579" y="530088"/>
+            <a:ext cx="9291215" cy="450574"/>
           </a:xfrm>
         </p:spPr>
         <p:txBody>
-          <a:bodyPr/>
+          <a:bodyPr>
+            <a:normAutofit fontScale="90000"/>
+          </a:bodyPr>
           <a:lstStyle/>
           <a:p>
             <a:r>
               <a:rPr lang="en-AU" dirty="0"/>
-              <a:t>Top 25 export commodities</a:t>
+              <a:t>Top 25 export commodities 2019</a:t>
             </a:r>
           </a:p>
         </p:txBody>
@@ -10051,8 +10261,8 @@
         </p:blipFill>
         <p:spPr>
           <a:xfrm>
-            <a:off x="1449206" y="1377538"/>
-            <a:ext cx="9291215" cy="4762006"/>
+            <a:off x="1449206" y="980662"/>
+            <a:ext cx="9291215" cy="4770781"/>
           </a:xfrm>
           <a:prstGeom prst="rect">
             <a:avLst/>
@@ -10107,8 +10317,8 @@
         </p:nvSpPr>
         <p:spPr>
           <a:xfrm>
-            <a:off x="1451579" y="804519"/>
-            <a:ext cx="9291215" cy="596769"/>
+            <a:off x="1451579" y="463827"/>
+            <a:ext cx="9291215" cy="629477"/>
           </a:xfrm>
         </p:spPr>
         <p:txBody>
@@ -10144,8 +10354,8 @@
         </p:blipFill>
         <p:spPr>
           <a:xfrm>
-            <a:off x="1449206" y="1401288"/>
-            <a:ext cx="9291215" cy="4762006"/>
+            <a:off x="1449206" y="1093304"/>
+            <a:ext cx="9291215" cy="4671392"/>
           </a:xfrm>
           <a:prstGeom prst="rect">
             <a:avLst/>
@@ -10166,6 +10376,99 @@
 </file>
 
 <file path=ppt/slides/slide8.xml><?xml version="1.0" encoding="utf-8"?>
+<p:sld xmlns:a="http://schemas.openxmlformats.org/drawingml/2006/main" xmlns:r="http://schemas.openxmlformats.org/officeDocument/2006/relationships" xmlns:p="http://schemas.openxmlformats.org/presentationml/2006/main">
+  <p:cSld>
+    <p:spTree>
+      <p:nvGrpSpPr>
+        <p:cNvPr id="1" name=""/>
+        <p:cNvGrpSpPr/>
+        <p:nvPr/>
+      </p:nvGrpSpPr>
+      <p:grpSpPr>
+        <a:xfrm>
+          <a:off x="0" y="0"/>
+          <a:ext cx="0" cy="0"/>
+          <a:chOff x="0" y="0"/>
+          <a:chExt cx="0" cy="0"/>
+        </a:xfrm>
+      </p:grpSpPr>
+      <p:sp>
+        <p:nvSpPr>
+          <p:cNvPr id="2" name="Title 1">
+            <a:extLst>
+              <a:ext uri="{FF2B5EF4-FFF2-40B4-BE49-F238E27FC236}">
+                <a16:creationId xmlns:a16="http://schemas.microsoft.com/office/drawing/2014/main" id="{B3F47D69-4FBE-41BA-911B-B103640520B6}"/>
+              </a:ext>
+            </a:extLst>
+          </p:cNvPr>
+          <p:cNvSpPr>
+            <a:spLocks noGrp="1"/>
+          </p:cNvSpPr>
+          <p:nvPr>
+            <p:ph type="title"/>
+          </p:nvPr>
+        </p:nvSpPr>
+        <p:spPr>
+          <a:xfrm>
+            <a:off x="1451579" y="357810"/>
+            <a:ext cx="9291215" cy="609600"/>
+          </a:xfrm>
+        </p:spPr>
+        <p:txBody>
+          <a:bodyPr/>
+          <a:lstStyle/>
+          <a:p>
+            <a:r>
+              <a:rPr lang="en-AU" dirty="0"/>
+              <a:t>Thanks and question time</a:t>
+            </a:r>
+          </a:p>
+        </p:txBody>
+      </p:sp>
+      <p:pic>
+        <p:nvPicPr>
+          <p:cNvPr id="4" name="Picture 3">
+            <a:extLst>
+              <a:ext uri="{FF2B5EF4-FFF2-40B4-BE49-F238E27FC236}">
+                <a16:creationId xmlns:a16="http://schemas.microsoft.com/office/drawing/2014/main" id="{B1D5BFEB-95BC-4AB8-88C4-62E6299F5BF2}"/>
+              </a:ext>
+            </a:extLst>
+          </p:cNvPr>
+          <p:cNvPicPr>
+            <a:picLocks noChangeAspect="1"/>
+          </p:cNvPicPr>
+          <p:nvPr/>
+        </p:nvPicPr>
+        <p:blipFill>
+          <a:blip r:embed="rId2"/>
+          <a:stretch>
+            <a:fillRect/>
+          </a:stretch>
+        </p:blipFill>
+        <p:spPr>
+          <a:xfrm>
+            <a:off x="2146852" y="967410"/>
+            <a:ext cx="7858540" cy="4664765"/>
+          </a:xfrm>
+          <a:prstGeom prst="rect">
+            <a:avLst/>
+          </a:prstGeom>
+        </p:spPr>
+      </p:pic>
+    </p:spTree>
+    <p:extLst>
+      <p:ext uri="{BB962C8B-B14F-4D97-AF65-F5344CB8AC3E}">
+        <p14:creationId xmlns:p14="http://schemas.microsoft.com/office/powerpoint/2010/main" val="3049125289"/>
+      </p:ext>
+    </p:extLst>
+  </p:cSld>
+  <p:clrMapOvr>
+    <a:masterClrMapping/>
+  </p:clrMapOvr>
+</p:sld>
+</file>
+
+<file path=ppt/slides/slide9.xml><?xml version="1.0" encoding="utf-8"?>
 <p:sld xmlns:a="http://schemas.openxmlformats.org/drawingml/2006/main" xmlns:r="http://schemas.openxmlformats.org/officeDocument/2006/relationships" xmlns:p="http://schemas.openxmlformats.org/presentationml/2006/main">
   <p:cSld>
     <p:spTree>
@@ -10338,6 +10641,83 @@
           </a:prstGeom>
         </p:spPr>
       </p:pic>
+      <p:sp>
+        <p:nvSpPr>
+          <p:cNvPr id="2" name="TextBox 1">
+            <a:extLst>
+              <a:ext uri="{FF2B5EF4-FFF2-40B4-BE49-F238E27FC236}">
+                <a16:creationId xmlns:a16="http://schemas.microsoft.com/office/drawing/2014/main" id="{B0BBA015-4267-40C6-AF4F-25C07CDBD349}"/>
+              </a:ext>
+            </a:extLst>
+          </p:cNvPr>
+          <p:cNvSpPr txBox="1"/>
+          <p:nvPr/>
+        </p:nvSpPr>
+        <p:spPr>
+          <a:xfrm>
+            <a:off x="6347361" y="3882887"/>
+            <a:ext cx="914400" cy="1200329"/>
+          </a:xfrm>
+          <a:prstGeom prst="rect">
+            <a:avLst/>
+          </a:prstGeom>
+          <a:noFill/>
+        </p:spPr>
+        <p:txBody>
+          <a:bodyPr wrap="square" rtlCol="0">
+            <a:spAutoFit/>
+          </a:bodyPr>
+          <a:lstStyle/>
+          <a:p>
+            <a:r>
+              <a:rPr lang="en-AU" dirty="0">
+                <a:solidFill>
+                  <a:schemeClr val="accent1">
+                    <a:lumMod val="50000"/>
+                  </a:schemeClr>
+                </a:solidFill>
+              </a:rPr>
+              <a:t>TONY</a:t>
+            </a:r>
+          </a:p>
+          <a:p>
+            <a:r>
+              <a:rPr lang="en-AU" dirty="0">
+                <a:solidFill>
+                  <a:schemeClr val="accent1">
+                    <a:lumMod val="50000"/>
+                  </a:schemeClr>
+                </a:solidFill>
+              </a:rPr>
+              <a:t>ZHAO</a:t>
+            </a:r>
+          </a:p>
+          <a:p>
+            <a:r>
+              <a:rPr lang="en-AU" dirty="0">
+                <a:solidFill>
+                  <a:schemeClr val="accent1">
+                    <a:lumMod val="50000"/>
+                  </a:schemeClr>
+                </a:solidFill>
+              </a:rPr>
+              <a:t>01/05/</a:t>
+            </a:r>
+          </a:p>
+          <a:p>
+            <a:r>
+              <a:rPr lang="en-AU" dirty="0">
+                <a:solidFill>
+                  <a:schemeClr val="accent1">
+                    <a:lumMod val="50000"/>
+                  </a:schemeClr>
+                </a:solidFill>
+              </a:rPr>
+              <a:t>2021</a:t>
+            </a:r>
+          </a:p>
+        </p:txBody>
+      </p:sp>
     </p:spTree>
     <p:extLst>
       <p:ext uri="{BB962C8B-B14F-4D97-AF65-F5344CB8AC3E}">

--- a/test/Australia Int’l Trading report.pptx
+++ b/test/Australia Int’l Trading report.pptx
@@ -868,6 +868,753 @@
 </file>
 
 <file path=ppt/diagrams/colors2.xml><?xml version="1.0" encoding="utf-8"?>
+<dgm:colorsDef xmlns:dgm="http://schemas.openxmlformats.org/drawingml/2006/diagram" xmlns:a="http://schemas.openxmlformats.org/drawingml/2006/main" uniqueId="urn:microsoft.com/office/officeart/2005/8/colors/accent1_2">
+  <dgm:title val=""/>
+  <dgm:desc val=""/>
+  <dgm:catLst>
+    <dgm:cat type="accent1" pri="11200"/>
+  </dgm:catLst>
+  <dgm:styleLbl name="node0">
+    <dgm:fillClrLst meth="repeat">
+      <a:schemeClr val="accent1"/>
+    </dgm:fillClrLst>
+    <dgm:linClrLst meth="repeat">
+      <a:schemeClr val="lt1"/>
+    </dgm:linClrLst>
+    <dgm:effectClrLst/>
+    <dgm:txLinClrLst/>
+    <dgm:txFillClrLst/>
+    <dgm:txEffectClrLst/>
+  </dgm:styleLbl>
+  <dgm:styleLbl name="alignNode1">
+    <dgm:fillClrLst meth="repeat">
+      <a:schemeClr val="accent1"/>
+    </dgm:fillClrLst>
+    <dgm:linClrLst meth="repeat">
+      <a:schemeClr val="accent1"/>
+    </dgm:linClrLst>
+    <dgm:effectClrLst/>
+    <dgm:txLinClrLst/>
+    <dgm:txFillClrLst/>
+    <dgm:txEffectClrLst/>
+  </dgm:styleLbl>
+  <dgm:styleLbl name="node1">
+    <dgm:fillClrLst meth="repeat">
+      <a:schemeClr val="accent1"/>
+    </dgm:fillClrLst>
+    <dgm:linClrLst meth="repeat">
+      <a:schemeClr val="lt1"/>
+    </dgm:linClrLst>
+    <dgm:effectClrLst/>
+    <dgm:txLinClrLst/>
+    <dgm:txFillClrLst/>
+    <dgm:txEffectClrLst/>
+  </dgm:styleLbl>
+  <dgm:styleLbl name="lnNode1">
+    <dgm:fillClrLst meth="repeat">
+      <a:schemeClr val="accent1"/>
+    </dgm:fillClrLst>
+    <dgm:linClrLst meth="repeat">
+      <a:schemeClr val="lt1"/>
+    </dgm:linClrLst>
+    <dgm:effectClrLst/>
+    <dgm:txLinClrLst/>
+    <dgm:txFillClrLst/>
+    <dgm:txEffectClrLst/>
+  </dgm:styleLbl>
+  <dgm:styleLbl name="vennNode1">
+    <dgm:fillClrLst meth="repeat">
+      <a:schemeClr val="accent1">
+        <a:alpha val="50000"/>
+      </a:schemeClr>
+    </dgm:fillClrLst>
+    <dgm:linClrLst meth="repeat">
+      <a:schemeClr val="lt1"/>
+    </dgm:linClrLst>
+    <dgm:effectClrLst/>
+    <dgm:txLinClrLst/>
+    <dgm:txFillClrLst/>
+    <dgm:txEffectClrLst/>
+  </dgm:styleLbl>
+  <dgm:styleLbl name="node2">
+    <dgm:fillClrLst meth="repeat">
+      <a:schemeClr val="accent1"/>
+    </dgm:fillClrLst>
+    <dgm:linClrLst meth="repeat">
+      <a:schemeClr val="lt1"/>
+    </dgm:linClrLst>
+    <dgm:effectClrLst/>
+    <dgm:txLinClrLst/>
+    <dgm:txFillClrLst/>
+    <dgm:txEffectClrLst/>
+  </dgm:styleLbl>
+  <dgm:styleLbl name="node3">
+    <dgm:fillClrLst meth="repeat">
+      <a:schemeClr val="accent1"/>
+    </dgm:fillClrLst>
+    <dgm:linClrLst meth="repeat">
+      <a:schemeClr val="lt1"/>
+    </dgm:linClrLst>
+    <dgm:effectClrLst/>
+    <dgm:txLinClrLst/>
+    <dgm:txFillClrLst/>
+    <dgm:txEffectClrLst/>
+  </dgm:styleLbl>
+  <dgm:styleLbl name="node4">
+    <dgm:fillClrLst meth="repeat">
+      <a:schemeClr val="accent1"/>
+    </dgm:fillClrLst>
+    <dgm:linClrLst meth="repeat">
+      <a:schemeClr val="lt1"/>
+    </dgm:linClrLst>
+    <dgm:effectClrLst/>
+    <dgm:txLinClrLst/>
+    <dgm:txFillClrLst/>
+    <dgm:txEffectClrLst/>
+  </dgm:styleLbl>
+  <dgm:styleLbl name="fgImgPlace1">
+    <dgm:fillClrLst meth="repeat">
+      <a:schemeClr val="accent1">
+        <a:tint val="50000"/>
+      </a:schemeClr>
+    </dgm:fillClrLst>
+    <dgm:linClrLst meth="repeat">
+      <a:schemeClr val="lt1"/>
+    </dgm:linClrLst>
+    <dgm:effectClrLst/>
+    <dgm:txLinClrLst/>
+    <dgm:txFillClrLst meth="repeat">
+      <a:schemeClr val="lt1"/>
+    </dgm:txFillClrLst>
+    <dgm:txEffectClrLst/>
+  </dgm:styleLbl>
+  <dgm:styleLbl name="alignImgPlace1">
+    <dgm:fillClrLst meth="repeat">
+      <a:schemeClr val="accent1">
+        <a:tint val="50000"/>
+      </a:schemeClr>
+    </dgm:fillClrLst>
+    <dgm:linClrLst meth="repeat">
+      <a:schemeClr val="lt1"/>
+    </dgm:linClrLst>
+    <dgm:effectClrLst/>
+    <dgm:txLinClrLst/>
+    <dgm:txFillClrLst meth="repeat">
+      <a:schemeClr val="lt1"/>
+    </dgm:txFillClrLst>
+    <dgm:txEffectClrLst/>
+  </dgm:styleLbl>
+  <dgm:styleLbl name="bgImgPlace1">
+    <dgm:fillClrLst meth="repeat">
+      <a:schemeClr val="accent1">
+        <a:tint val="50000"/>
+      </a:schemeClr>
+    </dgm:fillClrLst>
+    <dgm:linClrLst meth="repeat">
+      <a:schemeClr val="lt1"/>
+    </dgm:linClrLst>
+    <dgm:effectClrLst/>
+    <dgm:txLinClrLst/>
+    <dgm:txFillClrLst meth="repeat">
+      <a:schemeClr val="lt1"/>
+    </dgm:txFillClrLst>
+    <dgm:txEffectClrLst/>
+  </dgm:styleLbl>
+  <dgm:styleLbl name="sibTrans2D1">
+    <dgm:fillClrLst meth="repeat">
+      <a:schemeClr val="accent1">
+        <a:tint val="60000"/>
+      </a:schemeClr>
+    </dgm:fillClrLst>
+    <dgm:linClrLst meth="repeat">
+      <a:schemeClr val="accent1">
+        <a:tint val="60000"/>
+      </a:schemeClr>
+    </dgm:linClrLst>
+    <dgm:effectClrLst/>
+    <dgm:txLinClrLst/>
+    <dgm:txFillClrLst/>
+    <dgm:txEffectClrLst/>
+  </dgm:styleLbl>
+  <dgm:styleLbl name="fgSibTrans2D1">
+    <dgm:fillClrLst meth="repeat">
+      <a:schemeClr val="accent1">
+        <a:tint val="60000"/>
+      </a:schemeClr>
+    </dgm:fillClrLst>
+    <dgm:linClrLst meth="repeat">
+      <a:schemeClr val="accent1">
+        <a:tint val="60000"/>
+      </a:schemeClr>
+    </dgm:linClrLst>
+    <dgm:effectClrLst/>
+    <dgm:txLinClrLst/>
+    <dgm:txFillClrLst/>
+    <dgm:txEffectClrLst/>
+  </dgm:styleLbl>
+  <dgm:styleLbl name="bgSibTrans2D1">
+    <dgm:fillClrLst meth="repeat">
+      <a:schemeClr val="accent1">
+        <a:tint val="60000"/>
+      </a:schemeClr>
+    </dgm:fillClrLst>
+    <dgm:linClrLst meth="repeat">
+      <a:schemeClr val="accent1">
+        <a:tint val="60000"/>
+      </a:schemeClr>
+    </dgm:linClrLst>
+    <dgm:effectClrLst/>
+    <dgm:txLinClrLst/>
+    <dgm:txFillClrLst/>
+    <dgm:txEffectClrLst/>
+  </dgm:styleLbl>
+  <dgm:styleLbl name="sibTrans1D1">
+    <dgm:fillClrLst meth="repeat">
+      <a:schemeClr val="accent1"/>
+    </dgm:fillClrLst>
+    <dgm:linClrLst meth="repeat">
+      <a:schemeClr val="accent1"/>
+    </dgm:linClrLst>
+    <dgm:effectClrLst/>
+    <dgm:txLinClrLst/>
+    <dgm:txFillClrLst meth="repeat">
+      <a:schemeClr val="tx1"/>
+    </dgm:txFillClrLst>
+    <dgm:txEffectClrLst/>
+  </dgm:styleLbl>
+  <dgm:styleLbl name="callout">
+    <dgm:fillClrLst meth="repeat">
+      <a:schemeClr val="accent1"/>
+    </dgm:fillClrLst>
+    <dgm:linClrLst meth="repeat">
+      <a:schemeClr val="accent1">
+        <a:tint val="50000"/>
+      </a:schemeClr>
+    </dgm:linClrLst>
+    <dgm:effectClrLst/>
+    <dgm:txLinClrLst/>
+    <dgm:txFillClrLst meth="repeat">
+      <a:schemeClr val="tx1"/>
+    </dgm:txFillClrLst>
+    <dgm:txEffectClrLst/>
+  </dgm:styleLbl>
+  <dgm:styleLbl name="asst0">
+    <dgm:fillClrLst meth="repeat">
+      <a:schemeClr val="accent1"/>
+    </dgm:fillClrLst>
+    <dgm:linClrLst meth="repeat">
+      <a:schemeClr val="lt1"/>
+    </dgm:linClrLst>
+    <dgm:effectClrLst/>
+    <dgm:txLinClrLst/>
+    <dgm:txFillClrLst/>
+    <dgm:txEffectClrLst/>
+  </dgm:styleLbl>
+  <dgm:styleLbl name="asst1">
+    <dgm:fillClrLst meth="repeat">
+      <a:schemeClr val="accent1"/>
+    </dgm:fillClrLst>
+    <dgm:linClrLst meth="repeat">
+      <a:schemeClr val="lt1"/>
+    </dgm:linClrLst>
+    <dgm:effectClrLst/>
+    <dgm:txLinClrLst/>
+    <dgm:txFillClrLst/>
+    <dgm:txEffectClrLst/>
+  </dgm:styleLbl>
+  <dgm:styleLbl name="asst2">
+    <dgm:fillClrLst meth="repeat">
+      <a:schemeClr val="accent1"/>
+    </dgm:fillClrLst>
+    <dgm:linClrLst meth="repeat">
+      <a:schemeClr val="lt1"/>
+    </dgm:linClrLst>
+    <dgm:effectClrLst/>
+    <dgm:txLinClrLst/>
+    <dgm:txFillClrLst/>
+    <dgm:txEffectClrLst/>
+  </dgm:styleLbl>
+  <dgm:styleLbl name="asst3">
+    <dgm:fillClrLst meth="repeat">
+      <a:schemeClr val="accent1"/>
+    </dgm:fillClrLst>
+    <dgm:linClrLst meth="repeat">
+      <a:schemeClr val="lt1"/>
+    </dgm:linClrLst>
+    <dgm:effectClrLst/>
+    <dgm:txLinClrLst/>
+    <dgm:txFillClrLst/>
+    <dgm:txEffectClrLst/>
+  </dgm:styleLbl>
+  <dgm:styleLbl name="asst4">
+    <dgm:fillClrLst meth="repeat">
+      <a:schemeClr val="accent1"/>
+    </dgm:fillClrLst>
+    <dgm:linClrLst meth="repeat">
+      <a:schemeClr val="lt1"/>
+    </dgm:linClrLst>
+    <dgm:effectClrLst/>
+    <dgm:txLinClrLst/>
+    <dgm:txFillClrLst/>
+    <dgm:txEffectClrLst/>
+  </dgm:styleLbl>
+  <dgm:styleLbl name="parChTrans2D1">
+    <dgm:fillClrLst meth="repeat">
+      <a:schemeClr val="accent1">
+        <a:tint val="60000"/>
+      </a:schemeClr>
+    </dgm:fillClrLst>
+    <dgm:linClrLst meth="repeat">
+      <a:schemeClr val="accent1">
+        <a:tint val="60000"/>
+      </a:schemeClr>
+    </dgm:linClrLst>
+    <dgm:effectClrLst/>
+    <dgm:txLinClrLst/>
+    <dgm:txFillClrLst meth="repeat">
+      <a:schemeClr val="lt1"/>
+    </dgm:txFillClrLst>
+    <dgm:txEffectClrLst/>
+  </dgm:styleLbl>
+  <dgm:styleLbl name="parChTrans2D2">
+    <dgm:fillClrLst meth="repeat">
+      <a:schemeClr val="accent1"/>
+    </dgm:fillClrLst>
+    <dgm:linClrLst meth="repeat">
+      <a:schemeClr val="accent1"/>
+    </dgm:linClrLst>
+    <dgm:effectClrLst/>
+    <dgm:txLinClrLst/>
+    <dgm:txFillClrLst meth="repeat">
+      <a:schemeClr val="lt1"/>
+    </dgm:txFillClrLst>
+    <dgm:txEffectClrLst/>
+  </dgm:styleLbl>
+  <dgm:styleLbl name="parChTrans2D3">
+    <dgm:fillClrLst meth="repeat">
+      <a:schemeClr val="accent1"/>
+    </dgm:fillClrLst>
+    <dgm:linClrLst meth="repeat">
+      <a:schemeClr val="accent1"/>
+    </dgm:linClrLst>
+    <dgm:effectClrLst/>
+    <dgm:txLinClrLst/>
+    <dgm:txFillClrLst meth="repeat">
+      <a:schemeClr val="lt1"/>
+    </dgm:txFillClrLst>
+    <dgm:txEffectClrLst/>
+  </dgm:styleLbl>
+  <dgm:styleLbl name="parChTrans2D4">
+    <dgm:fillClrLst meth="repeat">
+      <a:schemeClr val="accent1"/>
+    </dgm:fillClrLst>
+    <dgm:linClrLst meth="repeat">
+      <a:schemeClr val="accent1"/>
+    </dgm:linClrLst>
+    <dgm:effectClrLst/>
+    <dgm:txLinClrLst/>
+    <dgm:txFillClrLst meth="repeat">
+      <a:schemeClr val="lt1"/>
+    </dgm:txFillClrLst>
+    <dgm:txEffectClrLst/>
+  </dgm:styleLbl>
+  <dgm:styleLbl name="parChTrans1D1">
+    <dgm:fillClrLst meth="repeat">
+      <a:schemeClr val="accent1"/>
+    </dgm:fillClrLst>
+    <dgm:linClrLst meth="repeat">
+      <a:schemeClr val="accent1">
+        <a:shade val="60000"/>
+      </a:schemeClr>
+    </dgm:linClrLst>
+    <dgm:effectClrLst/>
+    <dgm:txLinClrLst/>
+    <dgm:txFillClrLst meth="repeat">
+      <a:schemeClr val="tx1"/>
+    </dgm:txFillClrLst>
+    <dgm:txEffectClrLst/>
+  </dgm:styleLbl>
+  <dgm:styleLbl name="parChTrans1D2">
+    <dgm:fillClrLst meth="repeat">
+      <a:schemeClr val="accent1"/>
+    </dgm:fillClrLst>
+    <dgm:linClrLst meth="repeat">
+      <a:schemeClr val="accent1">
+        <a:shade val="60000"/>
+      </a:schemeClr>
+    </dgm:linClrLst>
+    <dgm:effectClrLst/>
+    <dgm:txLinClrLst/>
+    <dgm:txFillClrLst meth="repeat">
+      <a:schemeClr val="tx1"/>
+    </dgm:txFillClrLst>
+    <dgm:txEffectClrLst/>
+  </dgm:styleLbl>
+  <dgm:styleLbl name="parChTrans1D3">
+    <dgm:fillClrLst meth="repeat">
+      <a:schemeClr val="accent1"/>
+    </dgm:fillClrLst>
+    <dgm:linClrLst meth="repeat">
+      <a:schemeClr val="accent1">
+        <a:shade val="80000"/>
+      </a:schemeClr>
+    </dgm:linClrLst>
+    <dgm:effectClrLst/>
+    <dgm:txLinClrLst/>
+    <dgm:txFillClrLst meth="repeat">
+      <a:schemeClr val="tx1"/>
+    </dgm:txFillClrLst>
+    <dgm:txEffectClrLst/>
+  </dgm:styleLbl>
+  <dgm:styleLbl name="parChTrans1D4">
+    <dgm:fillClrLst meth="repeat">
+      <a:schemeClr val="accent1"/>
+    </dgm:fillClrLst>
+    <dgm:linClrLst meth="repeat">
+      <a:schemeClr val="accent1">
+        <a:shade val="80000"/>
+      </a:schemeClr>
+    </dgm:linClrLst>
+    <dgm:effectClrLst/>
+    <dgm:txLinClrLst/>
+    <dgm:txFillClrLst meth="repeat">
+      <a:schemeClr val="tx1"/>
+    </dgm:txFillClrLst>
+    <dgm:txEffectClrLst/>
+  </dgm:styleLbl>
+  <dgm:styleLbl name="fgAcc1">
+    <dgm:fillClrLst meth="repeat">
+      <a:schemeClr val="lt1">
+        <a:alpha val="90000"/>
+      </a:schemeClr>
+    </dgm:fillClrLst>
+    <dgm:linClrLst meth="repeat">
+      <a:schemeClr val="accent1"/>
+    </dgm:linClrLst>
+    <dgm:effectClrLst/>
+    <dgm:txLinClrLst/>
+    <dgm:txFillClrLst meth="repeat">
+      <a:schemeClr val="dk1"/>
+    </dgm:txFillClrLst>
+    <dgm:txEffectClrLst/>
+  </dgm:styleLbl>
+  <dgm:styleLbl name="conFgAcc1">
+    <dgm:fillClrLst meth="repeat">
+      <a:schemeClr val="lt1">
+        <a:alpha val="90000"/>
+      </a:schemeClr>
+    </dgm:fillClrLst>
+    <dgm:linClrLst meth="repeat">
+      <a:schemeClr val="accent1"/>
+    </dgm:linClrLst>
+    <dgm:effectClrLst/>
+    <dgm:txLinClrLst/>
+    <dgm:txFillClrLst meth="repeat">
+      <a:schemeClr val="dk1"/>
+    </dgm:txFillClrLst>
+    <dgm:txEffectClrLst/>
+  </dgm:styleLbl>
+  <dgm:styleLbl name="alignAcc1">
+    <dgm:fillClrLst meth="repeat">
+      <a:schemeClr val="lt1">
+        <a:alpha val="90000"/>
+      </a:schemeClr>
+    </dgm:fillClrLst>
+    <dgm:linClrLst meth="repeat">
+      <a:schemeClr val="accent1"/>
+    </dgm:linClrLst>
+    <dgm:effectClrLst/>
+    <dgm:txLinClrLst/>
+    <dgm:txFillClrLst meth="repeat">
+      <a:schemeClr val="dk1"/>
+    </dgm:txFillClrLst>
+    <dgm:txEffectClrLst/>
+  </dgm:styleLbl>
+  <dgm:styleLbl name="trAlignAcc1">
+    <dgm:fillClrLst meth="repeat">
+      <a:schemeClr val="lt1">
+        <a:alpha val="40000"/>
+      </a:schemeClr>
+    </dgm:fillClrLst>
+    <dgm:linClrLst meth="repeat">
+      <a:schemeClr val="accent1"/>
+    </dgm:linClrLst>
+    <dgm:effectClrLst/>
+    <dgm:txLinClrLst/>
+    <dgm:txFillClrLst meth="repeat">
+      <a:schemeClr val="dk1"/>
+    </dgm:txFillClrLst>
+    <dgm:txEffectClrLst/>
+  </dgm:styleLbl>
+  <dgm:styleLbl name="bgAcc1">
+    <dgm:fillClrLst meth="repeat">
+      <a:schemeClr val="lt1">
+        <a:alpha val="90000"/>
+      </a:schemeClr>
+    </dgm:fillClrLst>
+    <dgm:linClrLst meth="repeat">
+      <a:schemeClr val="accent1"/>
+    </dgm:linClrLst>
+    <dgm:effectClrLst/>
+    <dgm:txLinClrLst/>
+    <dgm:txFillClrLst meth="repeat">
+      <a:schemeClr val="dk1"/>
+    </dgm:txFillClrLst>
+    <dgm:txEffectClrLst/>
+  </dgm:styleLbl>
+  <dgm:styleLbl name="solidFgAcc1">
+    <dgm:fillClrLst meth="repeat">
+      <a:schemeClr val="lt1"/>
+    </dgm:fillClrLst>
+    <dgm:linClrLst meth="repeat">
+      <a:schemeClr val="accent1"/>
+    </dgm:linClrLst>
+    <dgm:effectClrLst/>
+    <dgm:txLinClrLst/>
+    <dgm:txFillClrLst meth="repeat">
+      <a:schemeClr val="dk1"/>
+    </dgm:txFillClrLst>
+    <dgm:txEffectClrLst/>
+  </dgm:styleLbl>
+  <dgm:styleLbl name="solidAlignAcc1">
+    <dgm:fillClrLst meth="repeat">
+      <a:schemeClr val="lt1"/>
+    </dgm:fillClrLst>
+    <dgm:linClrLst meth="repeat">
+      <a:schemeClr val="accent1"/>
+    </dgm:linClrLst>
+    <dgm:effectClrLst/>
+    <dgm:txLinClrLst/>
+    <dgm:txFillClrLst meth="repeat">
+      <a:schemeClr val="dk1"/>
+    </dgm:txFillClrLst>
+    <dgm:txEffectClrLst/>
+  </dgm:styleLbl>
+  <dgm:styleLbl name="solidBgAcc1">
+    <dgm:fillClrLst meth="repeat">
+      <a:schemeClr val="lt1"/>
+    </dgm:fillClrLst>
+    <dgm:linClrLst meth="repeat">
+      <a:schemeClr val="accent1"/>
+    </dgm:linClrLst>
+    <dgm:effectClrLst/>
+    <dgm:txLinClrLst/>
+    <dgm:txFillClrLst meth="repeat">
+      <a:schemeClr val="dk1"/>
+    </dgm:txFillClrLst>
+    <dgm:txEffectClrLst/>
+  </dgm:styleLbl>
+  <dgm:styleLbl name="fgAccFollowNode1">
+    <dgm:fillClrLst meth="repeat">
+      <a:schemeClr val="accent1">
+        <a:alpha val="90000"/>
+        <a:tint val="40000"/>
+      </a:schemeClr>
+    </dgm:fillClrLst>
+    <dgm:linClrLst meth="repeat">
+      <a:schemeClr val="accent1">
+        <a:alpha val="90000"/>
+        <a:tint val="40000"/>
+      </a:schemeClr>
+    </dgm:linClrLst>
+    <dgm:effectClrLst/>
+    <dgm:txLinClrLst/>
+    <dgm:txFillClrLst meth="repeat">
+      <a:schemeClr val="dk1"/>
+    </dgm:txFillClrLst>
+    <dgm:txEffectClrLst/>
+  </dgm:styleLbl>
+  <dgm:styleLbl name="alignAccFollowNode1">
+    <dgm:fillClrLst meth="repeat">
+      <a:schemeClr val="accent1">
+        <a:alpha val="90000"/>
+        <a:tint val="40000"/>
+      </a:schemeClr>
+    </dgm:fillClrLst>
+    <dgm:linClrLst meth="repeat">
+      <a:schemeClr val="accent1">
+        <a:alpha val="90000"/>
+        <a:tint val="40000"/>
+      </a:schemeClr>
+    </dgm:linClrLst>
+    <dgm:effectClrLst/>
+    <dgm:txLinClrLst/>
+    <dgm:txFillClrLst meth="repeat">
+      <a:schemeClr val="dk1"/>
+    </dgm:txFillClrLst>
+    <dgm:txEffectClrLst/>
+  </dgm:styleLbl>
+  <dgm:styleLbl name="bgAccFollowNode1">
+    <dgm:fillClrLst meth="repeat">
+      <a:schemeClr val="accent1">
+        <a:alpha val="90000"/>
+        <a:tint val="40000"/>
+      </a:schemeClr>
+    </dgm:fillClrLst>
+    <dgm:linClrLst meth="repeat">
+      <a:schemeClr val="accent1">
+        <a:alpha val="90000"/>
+        <a:tint val="40000"/>
+      </a:schemeClr>
+    </dgm:linClrLst>
+    <dgm:effectClrLst/>
+    <dgm:txLinClrLst/>
+    <dgm:txFillClrLst meth="repeat">
+      <a:schemeClr val="dk1"/>
+    </dgm:txFillClrLst>
+    <dgm:txEffectClrLst/>
+  </dgm:styleLbl>
+  <dgm:styleLbl name="fgAcc0">
+    <dgm:fillClrLst meth="repeat">
+      <a:schemeClr val="lt1">
+        <a:alpha val="90000"/>
+      </a:schemeClr>
+    </dgm:fillClrLst>
+    <dgm:linClrLst meth="repeat">
+      <a:schemeClr val="accent1"/>
+    </dgm:linClrLst>
+    <dgm:effectClrLst/>
+    <dgm:txLinClrLst/>
+    <dgm:txFillClrLst meth="repeat">
+      <a:schemeClr val="dk1"/>
+    </dgm:txFillClrLst>
+    <dgm:txEffectClrLst/>
+  </dgm:styleLbl>
+  <dgm:styleLbl name="fgAcc2">
+    <dgm:fillClrLst meth="repeat">
+      <a:schemeClr val="lt1">
+        <a:alpha val="90000"/>
+      </a:schemeClr>
+    </dgm:fillClrLst>
+    <dgm:linClrLst meth="repeat">
+      <a:schemeClr val="accent1"/>
+    </dgm:linClrLst>
+    <dgm:effectClrLst/>
+    <dgm:txLinClrLst/>
+    <dgm:txFillClrLst meth="repeat">
+      <a:schemeClr val="dk1"/>
+    </dgm:txFillClrLst>
+    <dgm:txEffectClrLst/>
+  </dgm:styleLbl>
+  <dgm:styleLbl name="fgAcc3">
+    <dgm:fillClrLst meth="repeat">
+      <a:schemeClr val="lt1">
+        <a:alpha val="90000"/>
+      </a:schemeClr>
+    </dgm:fillClrLst>
+    <dgm:linClrLst meth="repeat">
+      <a:schemeClr val="accent1"/>
+    </dgm:linClrLst>
+    <dgm:effectClrLst/>
+    <dgm:txLinClrLst/>
+    <dgm:txFillClrLst meth="repeat">
+      <a:schemeClr val="dk1"/>
+    </dgm:txFillClrLst>
+    <dgm:txEffectClrLst/>
+  </dgm:styleLbl>
+  <dgm:styleLbl name="fgAcc4">
+    <dgm:fillClrLst meth="repeat">
+      <a:schemeClr val="lt1">
+        <a:alpha val="90000"/>
+      </a:schemeClr>
+    </dgm:fillClrLst>
+    <dgm:linClrLst meth="repeat">
+      <a:schemeClr val="accent1"/>
+    </dgm:linClrLst>
+    <dgm:effectClrLst/>
+    <dgm:txLinClrLst/>
+    <dgm:txFillClrLst meth="repeat">
+      <a:schemeClr val="dk1"/>
+    </dgm:txFillClrLst>
+    <dgm:txEffectClrLst/>
+  </dgm:styleLbl>
+  <dgm:styleLbl name="bgShp">
+    <dgm:fillClrLst meth="repeat">
+      <a:schemeClr val="accent1">
+        <a:tint val="40000"/>
+      </a:schemeClr>
+    </dgm:fillClrLst>
+    <dgm:linClrLst meth="repeat">
+      <a:schemeClr val="accent1"/>
+    </dgm:linClrLst>
+    <dgm:effectClrLst/>
+    <dgm:txLinClrLst/>
+    <dgm:txFillClrLst meth="repeat">
+      <a:schemeClr val="dk1"/>
+    </dgm:txFillClrLst>
+    <dgm:txEffectClrLst/>
+  </dgm:styleLbl>
+  <dgm:styleLbl name="dkBgShp">
+    <dgm:fillClrLst meth="repeat">
+      <a:schemeClr val="accent1">
+        <a:shade val="80000"/>
+      </a:schemeClr>
+    </dgm:fillClrLst>
+    <dgm:linClrLst meth="repeat">
+      <a:schemeClr val="accent1"/>
+    </dgm:linClrLst>
+    <dgm:effectClrLst/>
+    <dgm:txLinClrLst/>
+    <dgm:txFillClrLst meth="repeat">
+      <a:schemeClr val="lt1"/>
+    </dgm:txFillClrLst>
+    <dgm:txEffectClrLst/>
+  </dgm:styleLbl>
+  <dgm:styleLbl name="trBgShp">
+    <dgm:fillClrLst meth="repeat">
+      <a:schemeClr val="accent1">
+        <a:tint val="50000"/>
+        <a:alpha val="40000"/>
+      </a:schemeClr>
+    </dgm:fillClrLst>
+    <dgm:linClrLst meth="repeat">
+      <a:schemeClr val="accent1"/>
+    </dgm:linClrLst>
+    <dgm:effectClrLst/>
+    <dgm:txLinClrLst/>
+    <dgm:txFillClrLst meth="repeat">
+      <a:schemeClr val="lt1"/>
+    </dgm:txFillClrLst>
+    <dgm:txEffectClrLst/>
+  </dgm:styleLbl>
+  <dgm:styleLbl name="fgShp">
+    <dgm:fillClrLst meth="repeat">
+      <a:schemeClr val="accent1">
+        <a:tint val="60000"/>
+      </a:schemeClr>
+    </dgm:fillClrLst>
+    <dgm:linClrLst meth="repeat">
+      <a:schemeClr val="lt1"/>
+    </dgm:linClrLst>
+    <dgm:effectClrLst/>
+    <dgm:txLinClrLst/>
+    <dgm:txFillClrLst meth="repeat">
+      <a:schemeClr val="dk1"/>
+    </dgm:txFillClrLst>
+    <dgm:txEffectClrLst/>
+  </dgm:styleLbl>
+  <dgm:styleLbl name="revTx">
+    <dgm:fillClrLst meth="repeat">
+      <a:schemeClr val="lt1">
+        <a:alpha val="0"/>
+      </a:schemeClr>
+    </dgm:fillClrLst>
+    <dgm:linClrLst meth="repeat">
+      <a:schemeClr val="dk1">
+        <a:alpha val="0"/>
+      </a:schemeClr>
+    </dgm:linClrLst>
+    <dgm:effectClrLst/>
+    <dgm:txLinClrLst/>
+    <dgm:txFillClrLst meth="repeat">
+      <a:schemeClr val="tx1"/>
+    </dgm:txFillClrLst>
+    <dgm:txEffectClrLst/>
+  </dgm:styleLbl>
+</dgm:colorsDef>
+</file>
+
+<file path=ppt/diagrams/colors3.xml><?xml version="1.0" encoding="utf-8"?>
 <dgm:colorsDef xmlns:dgm="http://schemas.openxmlformats.org/drawingml/2006/diagram" xmlns:a="http://schemas.openxmlformats.org/drawingml/2006/main" uniqueId="urn:microsoft.com/office/officeart/2005/8/colors/accent1_2">
   <dgm:title val=""/>
   <dgm:desc val=""/>
@@ -2051,10 +2798,7 @@
         <a:bodyPr/>
         <a:lstStyle/>
         <a:p>
-          <a:r>
-            <a:rPr lang="en-AU" dirty="0"/>
-            <a:t>Flask API tested</a:t>
-          </a:r>
+          <a:endParaRPr lang="en-AU" dirty="0"/>
         </a:p>
       </dgm:t>
     </dgm:pt>
@@ -2141,10 +2885,7 @@
         <a:bodyPr/>
         <a:lstStyle/>
         <a:p>
-          <a:r>
-            <a:rPr lang="en-AU" dirty="0"/>
-            <a:t>GO</a:t>
-          </a:r>
+          <a:endParaRPr lang="en-AU" dirty="0"/>
         </a:p>
       </dgm:t>
     </dgm:pt>
@@ -2230,10 +2971,7 @@
         <a:bodyPr/>
         <a:lstStyle/>
         <a:p>
-          <a:r>
-            <a:rPr lang="en-AU" dirty="0"/>
-            <a:t>New JS function deployed</a:t>
-          </a:r>
+          <a:endParaRPr lang="en-AU" dirty="0"/>
         </a:p>
       </dgm:t>
     </dgm:pt>
@@ -2275,7 +3013,7 @@
       <dgm:spPr/>
     </dgm:pt>
     <dgm:pt modelId="{FFCBA2BD-C6DC-4266-8257-ECA12A65EBCF}" type="pres">
-      <dgm:prSet presAssocID="{0C0BA659-8072-49A7-B961-B0D07DB4E018}" presName="Parent1" presStyleLbl="node1" presStyleIdx="0" presStyleCnt="6">
+      <dgm:prSet presAssocID="{0C0BA659-8072-49A7-B961-B0D07DB4E018}" presName="Parent1" presStyleLbl="node1" presStyleIdx="0" presStyleCnt="6" custLinFactNeighborX="208" custLinFactNeighborY="1433">
         <dgm:presLayoutVars>
           <dgm:chMax val="1"/>
           <dgm:chPref val="1"/>
@@ -2285,7 +3023,7 @@
       <dgm:spPr/>
     </dgm:pt>
     <dgm:pt modelId="{98550D53-E955-45D9-AD55-7CAAEF75D7E0}" type="pres">
-      <dgm:prSet presAssocID="{0C0BA659-8072-49A7-B961-B0D07DB4E018}" presName="Childtext1" presStyleLbl="revTx" presStyleIdx="0" presStyleCnt="3" custScaleX="72805" custScaleY="95713" custLinFactNeighborX="4366" custLinFactNeighborY="-7004">
+      <dgm:prSet presAssocID="{0C0BA659-8072-49A7-B961-B0D07DB4E018}" presName="Childtext1" presStyleLbl="revTx" presStyleIdx="0" presStyleCnt="3" custScaleX="72805" custScaleY="95713" custLinFactNeighborX="-726" custLinFactNeighborY="2387">
         <dgm:presLayoutVars>
           <dgm:chMax val="0"/>
           <dgm:chPref val="0"/>
@@ -2325,7 +3063,7 @@
       <dgm:spPr/>
     </dgm:pt>
     <dgm:pt modelId="{22099086-2556-4348-A506-C21A213482FD}" type="pres">
-      <dgm:prSet presAssocID="{7769DA41-11D1-4562-87E7-30103C350650}" presName="Childtext1" presStyleLbl="revTx" presStyleIdx="1" presStyleCnt="3" custScaleX="79347" custLinFactNeighborX="4638" custLinFactNeighborY="1810">
+      <dgm:prSet presAssocID="{7769DA41-11D1-4562-87E7-30103C350650}" presName="Childtext1" presStyleLbl="revTx" presStyleIdx="1" presStyleCnt="3" custAng="0" custScaleX="79347" custLinFactX="51395" custLinFactY="-102481" custLinFactNeighborX="100000" custLinFactNeighborY="-200000">
         <dgm:presLayoutVars>
           <dgm:chMax val="0"/>
           <dgm:chPref val="0"/>
@@ -2365,7 +3103,7 @@
       <dgm:spPr/>
     </dgm:pt>
     <dgm:pt modelId="{039F1873-1D78-4222-BD61-1B49AAB93E57}" type="pres">
-      <dgm:prSet presAssocID="{622AD7BB-D51B-4A37-8A18-35DF8B14F22F}" presName="Childtext1" presStyleLbl="revTx" presStyleIdx="2" presStyleCnt="3" custLinFactNeighborX="13519" custLinFactNeighborY="-5029">
+      <dgm:prSet presAssocID="{622AD7BB-D51B-4A37-8A18-35DF8B14F22F}" presName="Childtext1" presStyleLbl="revTx" presStyleIdx="2" presStyleCnt="3" custLinFactNeighborX="14156" custLinFactNeighborY="-7037">
         <dgm:presLayoutVars>
           <dgm:chMax val="0"/>
           <dgm:chPref val="0"/>
@@ -2430,6 +3168,271 @@
   <dgm:extLst>
     <a:ext uri="http://schemas.microsoft.com/office/drawing/2008/diagram">
       <dsp:dataModelExt xmlns:dsp="http://schemas.microsoft.com/office/drawing/2008/diagram" relId="rId13" minVer="http://schemas.openxmlformats.org/drawingml/2006/diagram"/>
+    </a:ext>
+  </dgm:extLst>
+</dgm:dataModel>
+</file>
+
+<file path=ppt/diagrams/data3.xml><?xml version="1.0" encoding="utf-8"?>
+<dgm:dataModel xmlns:dgm="http://schemas.openxmlformats.org/drawingml/2006/diagram" xmlns:a="http://schemas.openxmlformats.org/drawingml/2006/main">
+  <dgm:ptLst>
+    <dgm:pt modelId="{9F317C40-F85C-497A-80D3-7E14BE58BCF1}" type="doc">
+      <dgm:prSet loTypeId="urn:diagrams.loki3.com/BracketList" loCatId="list" qsTypeId="urn:microsoft.com/office/officeart/2005/8/quickstyle/simple1" qsCatId="simple" csTypeId="urn:microsoft.com/office/officeart/2005/8/colors/accent1_2" csCatId="accent1" phldr="1"/>
+      <dgm:spPr/>
+      <dgm:t>
+        <a:bodyPr/>
+        <a:lstStyle/>
+        <a:p>
+          <a:endParaRPr lang="en-AU"/>
+        </a:p>
+      </dgm:t>
+    </dgm:pt>
+    <dgm:pt modelId="{4CB831DD-D756-41C7-B728-7F98AD4660B0}">
+      <dgm:prSet phldrT="[Text]"/>
+      <dgm:spPr/>
+      <dgm:t>
+        <a:bodyPr/>
+        <a:lstStyle/>
+        <a:p>
+          <a:endParaRPr lang="en-AU" dirty="0"/>
+        </a:p>
+      </dgm:t>
+    </dgm:pt>
+    <dgm:pt modelId="{C6C907BA-4B84-4151-9E41-3349AABBD9E0}" type="parTrans" cxnId="{EB6361EA-600E-4CFA-95EF-0D1348562273}">
+      <dgm:prSet/>
+      <dgm:spPr/>
+      <dgm:t>
+        <a:bodyPr/>
+        <a:lstStyle/>
+        <a:p>
+          <a:endParaRPr lang="en-AU"/>
+        </a:p>
+      </dgm:t>
+    </dgm:pt>
+    <dgm:pt modelId="{D656D63E-F638-45C2-B75C-718C8FE6A398}" type="sibTrans" cxnId="{EB6361EA-600E-4CFA-95EF-0D1348562273}">
+      <dgm:prSet/>
+      <dgm:spPr/>
+      <dgm:t>
+        <a:bodyPr/>
+        <a:lstStyle/>
+        <a:p>
+          <a:endParaRPr lang="en-AU"/>
+        </a:p>
+      </dgm:t>
+    </dgm:pt>
+    <dgm:pt modelId="{E82384EE-B5FF-466A-AE3B-5B8A869B6B39}">
+      <dgm:prSet phldrT="[Text]" custT="1"/>
+      <dgm:spPr/>
+      <dgm:t>
+        <a:bodyPr/>
+        <a:lstStyle/>
+        <a:p>
+          <a:r>
+            <a:rPr lang="en-AU" sz="1400" dirty="0">
+              <a:solidFill>
+                <a:schemeClr val="bg1"/>
+              </a:solidFill>
+            </a:rPr>
+            <a:t>Flask API tested</a:t>
+          </a:r>
+        </a:p>
+      </dgm:t>
+    </dgm:pt>
+    <dgm:pt modelId="{2118CB3B-DF6B-436A-9705-6EA8073240DD}" type="parTrans" cxnId="{80B1B39D-D78B-4BD3-9D0A-94FA3B89BF1A}">
+      <dgm:prSet/>
+      <dgm:spPr/>
+      <dgm:t>
+        <a:bodyPr/>
+        <a:lstStyle/>
+        <a:p>
+          <a:endParaRPr lang="en-AU"/>
+        </a:p>
+      </dgm:t>
+    </dgm:pt>
+    <dgm:pt modelId="{78C17409-524D-4512-B181-8B7C9A39A443}" type="sibTrans" cxnId="{80B1B39D-D78B-4BD3-9D0A-94FA3B89BF1A}">
+      <dgm:prSet/>
+      <dgm:spPr/>
+      <dgm:t>
+        <a:bodyPr/>
+        <a:lstStyle/>
+        <a:p>
+          <a:endParaRPr lang="en-AU"/>
+        </a:p>
+      </dgm:t>
+    </dgm:pt>
+    <dgm:pt modelId="{96627B95-2981-432B-8286-8E83B83C80B6}">
+      <dgm:prSet phldrT="[Text]"/>
+      <dgm:spPr/>
+      <dgm:t>
+        <a:bodyPr/>
+        <a:lstStyle/>
+        <a:p>
+          <a:endParaRPr lang="en-AU" dirty="0"/>
+        </a:p>
+      </dgm:t>
+    </dgm:pt>
+    <dgm:pt modelId="{D127EA86-0CC4-48A9-A4A1-31889F5EE6DA}" type="parTrans" cxnId="{B54B731E-E321-4198-96B6-9CFB6C9EFD8E}">
+      <dgm:prSet/>
+      <dgm:spPr/>
+      <dgm:t>
+        <a:bodyPr/>
+        <a:lstStyle/>
+        <a:p>
+          <a:endParaRPr lang="en-AU"/>
+        </a:p>
+      </dgm:t>
+    </dgm:pt>
+    <dgm:pt modelId="{9B5FC1AD-6D6D-4172-86B9-40C7E4430B87}" type="sibTrans" cxnId="{B54B731E-E321-4198-96B6-9CFB6C9EFD8E}">
+      <dgm:prSet/>
+      <dgm:spPr/>
+      <dgm:t>
+        <a:bodyPr/>
+        <a:lstStyle/>
+        <a:p>
+          <a:endParaRPr lang="en-AU"/>
+        </a:p>
+      </dgm:t>
+    </dgm:pt>
+    <dgm:pt modelId="{C658F2A6-E363-46DD-A232-D4EA892680B3}">
+      <dgm:prSet phldrT="[Text]" custT="1"/>
+      <dgm:spPr/>
+      <dgm:t>
+        <a:bodyPr/>
+        <a:lstStyle/>
+        <a:p>
+          <a:r>
+            <a:rPr lang="en-AU" sz="1400" dirty="0">
+              <a:solidFill>
+                <a:schemeClr val="bg1"/>
+              </a:solidFill>
+            </a:rPr>
+            <a:t>New JS function deployed</a:t>
+          </a:r>
+        </a:p>
+      </dgm:t>
+    </dgm:pt>
+    <dgm:pt modelId="{C3BF582D-DCF5-4D8B-A745-FE0D960D3DD4}" type="parTrans" cxnId="{AD10166C-94DE-4B45-A438-8C9D9247CEA9}">
+      <dgm:prSet/>
+      <dgm:spPr/>
+      <dgm:t>
+        <a:bodyPr/>
+        <a:lstStyle/>
+        <a:p>
+          <a:endParaRPr lang="en-AU"/>
+        </a:p>
+      </dgm:t>
+    </dgm:pt>
+    <dgm:pt modelId="{F73A0F6A-8080-4910-AAEA-114E72846D44}" type="sibTrans" cxnId="{AD10166C-94DE-4B45-A438-8C9D9247CEA9}">
+      <dgm:prSet/>
+      <dgm:spPr/>
+      <dgm:t>
+        <a:bodyPr/>
+        <a:lstStyle/>
+        <a:p>
+          <a:endParaRPr lang="en-AU"/>
+        </a:p>
+      </dgm:t>
+    </dgm:pt>
+    <dgm:pt modelId="{27CDA3E6-AEF0-4E3D-8B7C-BFB2B8DD0CBE}" type="pres">
+      <dgm:prSet presAssocID="{9F317C40-F85C-497A-80D3-7E14BE58BCF1}" presName="Name0" presStyleCnt="0">
+        <dgm:presLayoutVars>
+          <dgm:dir/>
+          <dgm:animLvl val="lvl"/>
+          <dgm:resizeHandles val="exact"/>
+        </dgm:presLayoutVars>
+      </dgm:prSet>
+      <dgm:spPr/>
+    </dgm:pt>
+    <dgm:pt modelId="{B680155C-18CA-4D23-9707-71AAF81352FB}" type="pres">
+      <dgm:prSet presAssocID="{4CB831DD-D756-41C7-B728-7F98AD4660B0}" presName="linNode" presStyleCnt="0"/>
+      <dgm:spPr/>
+    </dgm:pt>
+    <dgm:pt modelId="{4DA6F953-B4F9-4681-85F0-CD9596C5DF9E}" type="pres">
+      <dgm:prSet presAssocID="{4CB831DD-D756-41C7-B728-7F98AD4660B0}" presName="parTx" presStyleLbl="revTx" presStyleIdx="0" presStyleCnt="2" custLinFactX="-33187" custLinFactY="100000" custLinFactNeighborX="-100000" custLinFactNeighborY="174190">
+        <dgm:presLayoutVars>
+          <dgm:chMax val="1"/>
+          <dgm:bulletEnabled val="1"/>
+        </dgm:presLayoutVars>
+      </dgm:prSet>
+      <dgm:spPr/>
+    </dgm:pt>
+    <dgm:pt modelId="{00690E6B-E3E9-48C2-98E1-EEA7E8822E37}" type="pres">
+      <dgm:prSet presAssocID="{4CB831DD-D756-41C7-B728-7F98AD4660B0}" presName="bracket" presStyleLbl="parChTrans1D1" presStyleIdx="0" presStyleCnt="2" custScaleX="36304" custScaleY="65252" custLinFactX="310466" custLinFactNeighborX="400000" custLinFactNeighborY="-66663"/>
+      <dgm:spPr/>
+    </dgm:pt>
+    <dgm:pt modelId="{6324BD5E-B630-4C27-919A-51A505B0A6CB}" type="pres">
+      <dgm:prSet presAssocID="{4CB831DD-D756-41C7-B728-7F98AD4660B0}" presName="spH" presStyleCnt="0"/>
+      <dgm:spPr/>
+    </dgm:pt>
+    <dgm:pt modelId="{F57523E6-63DF-41CA-92AE-A90AB7AEE5FC}" type="pres">
+      <dgm:prSet presAssocID="{4CB831DD-D756-41C7-B728-7F98AD4660B0}" presName="desTx" presStyleLbl="node1" presStyleIdx="0" presStyleCnt="2" custFlipHor="1" custScaleX="19404" custScaleY="71992" custLinFactX="32667" custLinFactNeighborX="100000" custLinFactNeighborY="-65863">
+        <dgm:presLayoutVars>
+          <dgm:bulletEnabled val="1"/>
+        </dgm:presLayoutVars>
+      </dgm:prSet>
+      <dgm:spPr/>
+    </dgm:pt>
+    <dgm:pt modelId="{A91E2537-6D3B-403A-BF9D-BE4AD757D1F9}" type="pres">
+      <dgm:prSet presAssocID="{D656D63E-F638-45C2-B75C-718C8FE6A398}" presName="spV" presStyleCnt="0"/>
+      <dgm:spPr/>
+    </dgm:pt>
+    <dgm:pt modelId="{3D10F13D-554E-4CA8-BFB3-11108CDDDF8D}" type="pres">
+      <dgm:prSet presAssocID="{96627B95-2981-432B-8286-8E83B83C80B6}" presName="linNode" presStyleCnt="0"/>
+      <dgm:spPr/>
+    </dgm:pt>
+    <dgm:pt modelId="{93AB0497-0783-4F78-BFC9-31CD909D8788}" type="pres">
+      <dgm:prSet presAssocID="{96627B95-2981-432B-8286-8E83B83C80B6}" presName="parTx" presStyleLbl="revTx" presStyleIdx="1" presStyleCnt="2" custLinFactX="3026" custLinFactY="84169" custLinFactNeighborX="100000" custLinFactNeighborY="100000">
+        <dgm:presLayoutVars>
+          <dgm:chMax val="1"/>
+          <dgm:bulletEnabled val="1"/>
+        </dgm:presLayoutVars>
+      </dgm:prSet>
+      <dgm:spPr/>
+    </dgm:pt>
+    <dgm:pt modelId="{AA3A0D75-69BE-4DBF-90CE-63AE733BAA69}" type="pres">
+      <dgm:prSet presAssocID="{96627B95-2981-432B-8286-8E83B83C80B6}" presName="bracket" presStyleLbl="parChTrans1D1" presStyleIdx="1" presStyleCnt="2" custScaleX="47623" custScaleY="66286" custLinFactX="303820" custLinFactNeighborX="400000" custLinFactNeighborY="33184"/>
+      <dgm:spPr/>
+    </dgm:pt>
+    <dgm:pt modelId="{48909092-47DA-4F07-8265-73703B0E4CE0}" type="pres">
+      <dgm:prSet presAssocID="{96627B95-2981-432B-8286-8E83B83C80B6}" presName="spH" presStyleCnt="0"/>
+      <dgm:spPr/>
+    </dgm:pt>
+    <dgm:pt modelId="{F1863E33-D94D-4153-83E8-F8C3E2AE51A9}" type="pres">
+      <dgm:prSet presAssocID="{96627B95-2981-432B-8286-8E83B83C80B6}" presName="desTx" presStyleLbl="node1" presStyleIdx="1" presStyleCnt="2" custScaleX="18491" custScaleY="72065" custLinFactX="31178" custLinFactNeighborX="100000" custLinFactNeighborY="33184">
+        <dgm:presLayoutVars>
+          <dgm:bulletEnabled val="1"/>
+        </dgm:presLayoutVars>
+      </dgm:prSet>
+      <dgm:spPr/>
+    </dgm:pt>
+  </dgm:ptLst>
+  <dgm:cxnLst>
+    <dgm:cxn modelId="{B54B731E-E321-4198-96B6-9CFB6C9EFD8E}" srcId="{9F317C40-F85C-497A-80D3-7E14BE58BCF1}" destId="{96627B95-2981-432B-8286-8E83B83C80B6}" srcOrd="1" destOrd="0" parTransId="{D127EA86-0CC4-48A9-A4A1-31889F5EE6DA}" sibTransId="{9B5FC1AD-6D6D-4172-86B9-40C7E4430B87}"/>
+    <dgm:cxn modelId="{F8F89B2C-7CFA-42C5-8EE9-37CCC2B4D7A6}" type="presOf" srcId="{96627B95-2981-432B-8286-8E83B83C80B6}" destId="{93AB0497-0783-4F78-BFC9-31CD909D8788}" srcOrd="0" destOrd="0" presId="urn:diagrams.loki3.com/BracketList"/>
+    <dgm:cxn modelId="{9987EE3E-BD89-42B9-9AF0-DDB210E32B71}" type="presOf" srcId="{E82384EE-B5FF-466A-AE3B-5B8A869B6B39}" destId="{F57523E6-63DF-41CA-92AE-A90AB7AEE5FC}" srcOrd="0" destOrd="0" presId="urn:diagrams.loki3.com/BracketList"/>
+    <dgm:cxn modelId="{AD10166C-94DE-4B45-A438-8C9D9247CEA9}" srcId="{96627B95-2981-432B-8286-8E83B83C80B6}" destId="{C658F2A6-E363-46DD-A232-D4EA892680B3}" srcOrd="0" destOrd="0" parTransId="{C3BF582D-DCF5-4D8B-A745-FE0D960D3DD4}" sibTransId="{F73A0F6A-8080-4910-AAEA-114E72846D44}"/>
+    <dgm:cxn modelId="{0561824C-396C-4304-8946-D5739AD30208}" type="presOf" srcId="{9F317C40-F85C-497A-80D3-7E14BE58BCF1}" destId="{27CDA3E6-AEF0-4E3D-8B7C-BFB2B8DD0CBE}" srcOrd="0" destOrd="0" presId="urn:diagrams.loki3.com/BracketList"/>
+    <dgm:cxn modelId="{585CB672-ACE2-47D3-A774-DC8056C3CBA1}" type="presOf" srcId="{C658F2A6-E363-46DD-A232-D4EA892680B3}" destId="{F1863E33-D94D-4153-83E8-F8C3E2AE51A9}" srcOrd="0" destOrd="0" presId="urn:diagrams.loki3.com/BracketList"/>
+    <dgm:cxn modelId="{80B1B39D-D78B-4BD3-9D0A-94FA3B89BF1A}" srcId="{4CB831DD-D756-41C7-B728-7F98AD4660B0}" destId="{E82384EE-B5FF-466A-AE3B-5B8A869B6B39}" srcOrd="0" destOrd="0" parTransId="{2118CB3B-DF6B-436A-9705-6EA8073240DD}" sibTransId="{78C17409-524D-4512-B181-8B7C9A39A443}"/>
+    <dgm:cxn modelId="{091D0EE7-D189-4A28-99DF-3B8E8E65D9A6}" type="presOf" srcId="{4CB831DD-D756-41C7-B728-7F98AD4660B0}" destId="{4DA6F953-B4F9-4681-85F0-CD9596C5DF9E}" srcOrd="0" destOrd="0" presId="urn:diagrams.loki3.com/BracketList"/>
+    <dgm:cxn modelId="{EB6361EA-600E-4CFA-95EF-0D1348562273}" srcId="{9F317C40-F85C-497A-80D3-7E14BE58BCF1}" destId="{4CB831DD-D756-41C7-B728-7F98AD4660B0}" srcOrd="0" destOrd="0" parTransId="{C6C907BA-4B84-4151-9E41-3349AABBD9E0}" sibTransId="{D656D63E-F638-45C2-B75C-718C8FE6A398}"/>
+    <dgm:cxn modelId="{99051809-4622-466E-A1AE-7B4CBB267B9A}" type="presParOf" srcId="{27CDA3E6-AEF0-4E3D-8B7C-BFB2B8DD0CBE}" destId="{B680155C-18CA-4D23-9707-71AAF81352FB}" srcOrd="0" destOrd="0" presId="urn:diagrams.loki3.com/BracketList"/>
+    <dgm:cxn modelId="{9182CF73-0519-4830-B8D4-9C159787A018}" type="presParOf" srcId="{B680155C-18CA-4D23-9707-71AAF81352FB}" destId="{4DA6F953-B4F9-4681-85F0-CD9596C5DF9E}" srcOrd="0" destOrd="0" presId="urn:diagrams.loki3.com/BracketList"/>
+    <dgm:cxn modelId="{D238581D-A998-4F8E-931C-15E9C6538B52}" type="presParOf" srcId="{B680155C-18CA-4D23-9707-71AAF81352FB}" destId="{00690E6B-E3E9-48C2-98E1-EEA7E8822E37}" srcOrd="1" destOrd="0" presId="urn:diagrams.loki3.com/BracketList"/>
+    <dgm:cxn modelId="{2672D8D1-F30C-4905-B25C-544AFD30FB58}" type="presParOf" srcId="{B680155C-18CA-4D23-9707-71AAF81352FB}" destId="{6324BD5E-B630-4C27-919A-51A505B0A6CB}" srcOrd="2" destOrd="0" presId="urn:diagrams.loki3.com/BracketList"/>
+    <dgm:cxn modelId="{CAE1F10D-A353-4841-BF3F-866C498D203A}" type="presParOf" srcId="{B680155C-18CA-4D23-9707-71AAF81352FB}" destId="{F57523E6-63DF-41CA-92AE-A90AB7AEE5FC}" srcOrd="3" destOrd="0" presId="urn:diagrams.loki3.com/BracketList"/>
+    <dgm:cxn modelId="{A10BA488-70D5-4955-9306-B6B7D4800B90}" type="presParOf" srcId="{27CDA3E6-AEF0-4E3D-8B7C-BFB2B8DD0CBE}" destId="{A91E2537-6D3B-403A-BF9D-BE4AD757D1F9}" srcOrd="1" destOrd="0" presId="urn:diagrams.loki3.com/BracketList"/>
+    <dgm:cxn modelId="{ED0D4938-6E8E-49D7-AF19-82BD01791A3A}" type="presParOf" srcId="{27CDA3E6-AEF0-4E3D-8B7C-BFB2B8DD0CBE}" destId="{3D10F13D-554E-4CA8-BFB3-11108CDDDF8D}" srcOrd="2" destOrd="0" presId="urn:diagrams.loki3.com/BracketList"/>
+    <dgm:cxn modelId="{F3D8D95C-4EB7-46E2-8E7F-E6607EFFA7D4}" type="presParOf" srcId="{3D10F13D-554E-4CA8-BFB3-11108CDDDF8D}" destId="{93AB0497-0783-4F78-BFC9-31CD909D8788}" srcOrd="0" destOrd="0" presId="urn:diagrams.loki3.com/BracketList"/>
+    <dgm:cxn modelId="{D0E06CE9-94C8-42BD-994A-65E9DB3D877F}" type="presParOf" srcId="{3D10F13D-554E-4CA8-BFB3-11108CDDDF8D}" destId="{AA3A0D75-69BE-4DBF-90CE-63AE733BAA69}" srcOrd="1" destOrd="0" presId="urn:diagrams.loki3.com/BracketList"/>
+    <dgm:cxn modelId="{11F5A17A-E872-4F0C-8230-22A29465ACD9}" type="presParOf" srcId="{3D10F13D-554E-4CA8-BFB3-11108CDDDF8D}" destId="{48909092-47DA-4F07-8265-73703B0E4CE0}" srcOrd="2" destOrd="0" presId="urn:diagrams.loki3.com/BracketList"/>
+    <dgm:cxn modelId="{14E47E0C-3319-4E57-9579-3F630FA682A6}" type="presParOf" srcId="{3D10F13D-554E-4CA8-BFB3-11108CDDDF8D}" destId="{F1863E33-D94D-4153-83E8-F8C3E2AE51A9}" srcOrd="3" destOrd="0" presId="urn:diagrams.loki3.com/BracketList"/>
+  </dgm:cxnLst>
+  <dgm:bg/>
+  <dgm:whole/>
+  <dgm:extLst>
+    <a:ext uri="http://schemas.microsoft.com/office/drawing/2008/diagram">
+      <dsp:dataModelExt xmlns:dsp="http://schemas.microsoft.com/office/drawing/2008/diagram" relId="rId18" minVer="http://schemas.openxmlformats.org/drawingml/2006/diagram"/>
     </a:ext>
   </dgm:extLst>
 </dgm:dataModel>
@@ -2838,7 +3841,7 @@
       </dsp:nvSpPr>
       <dsp:spPr>
         <a:xfrm rot="5400000">
-          <a:off x="2221741" y="87610"/>
+          <a:off x="2224162" y="106780"/>
           <a:ext cx="1337777" cy="1163866"/>
         </a:xfrm>
         <a:prstGeom prst="hexagon">
@@ -2914,7 +3917,7 @@
         </a:p>
       </dsp:txBody>
       <dsp:txXfrm rot="-5400000">
-        <a:off x="2490065" y="209125"/>
+        <a:off x="2492486" y="228295"/>
         <a:ext cx="801128" cy="920837"/>
       </dsp:txXfrm>
     </dsp:sp>
@@ -2925,7 +3928,7 @@
       </dsp:nvSpPr>
       <dsp:spPr>
         <a:xfrm>
-          <a:off x="3776068" y="229196"/>
+          <a:off x="3700047" y="304575"/>
           <a:ext cx="1086949" cy="768256"/>
         </a:xfrm>
         <a:prstGeom prst="rect">
@@ -2950,12 +3953,12 @@
         <a:fontRef idx="minor"/>
       </dsp:style>
       <dsp:txBody>
-        <a:bodyPr spcFirstLastPara="0" vert="horz" wrap="square" lIns="60960" tIns="60960" rIns="60960" bIns="60960" numCol="1" spcCol="1270" anchor="ctr" anchorCtr="0">
+        <a:bodyPr spcFirstLastPara="0" vert="horz" wrap="square" lIns="64770" tIns="64770" rIns="64770" bIns="64770" numCol="1" spcCol="1270" anchor="ctr" anchorCtr="0">
           <a:noAutofit/>
         </a:bodyPr>
         <a:lstStyle/>
         <a:p>
-          <a:pPr marL="0" lvl="0" indent="0" algn="l" defTabSz="711200">
+          <a:pPr marL="0" lvl="0" indent="0" algn="l" defTabSz="755650">
             <a:lnSpc>
               <a:spcPct val="90000"/>
             </a:lnSpc>
@@ -2967,14 +3970,11 @@
             </a:spcAft>
             <a:buNone/>
           </a:pPr>
-          <a:r>
-            <a:rPr lang="en-AU" sz="1600" kern="1200" dirty="0"/>
-            <a:t>Flask API tested</a:t>
-          </a:r>
+          <a:endParaRPr lang="en-AU" sz="1700" kern="1200" dirty="0"/>
         </a:p>
       </dsp:txBody>
       <dsp:txXfrm>
-        <a:off x="3776068" y="229196"/>
+        <a:off x="3700047" y="304575"/>
         <a:ext cx="1086949" cy="768256"/>
       </dsp:txXfrm>
     </dsp:sp>
@@ -3200,7 +4200,7 @@
       </dsp:nvSpPr>
       <dsp:spPr>
         <a:xfrm>
-          <a:off x="401048" y="1418244"/>
+          <a:off x="2521393" y="0"/>
           <a:ext cx="1146405" cy="802666"/>
         </a:xfrm>
         <a:prstGeom prst="rect">
@@ -3225,12 +4225,12 @@
         <a:fontRef idx="minor"/>
       </dsp:style>
       <dsp:txBody>
-        <a:bodyPr spcFirstLastPara="0" vert="horz" wrap="square" lIns="60960" tIns="60960" rIns="60960" bIns="60960" numCol="1" spcCol="1270" anchor="ctr" anchorCtr="0">
+        <a:bodyPr spcFirstLastPara="0" vert="horz" wrap="square" lIns="64770" tIns="64770" rIns="64770" bIns="64770" numCol="1" spcCol="1270" anchor="ctr" anchorCtr="0">
           <a:noAutofit/>
         </a:bodyPr>
         <a:lstStyle/>
         <a:p>
-          <a:pPr marL="0" lvl="0" indent="0" algn="r" defTabSz="711200">
+          <a:pPr marL="0" lvl="0" indent="0" algn="r" defTabSz="755650">
             <a:lnSpc>
               <a:spcPct val="90000"/>
             </a:lnSpc>
@@ -3242,14 +4242,11 @@
             </a:spcAft>
             <a:buNone/>
           </a:pPr>
-          <a:r>
-            <a:rPr lang="en-AU" sz="1600" kern="1200" dirty="0"/>
-            <a:t>GO</a:t>
-          </a:r>
+          <a:endParaRPr lang="en-AU" sz="1700" kern="1200" dirty="0"/>
         </a:p>
       </dsp:txBody>
       <dsp:txXfrm>
-        <a:off x="401048" y="1418244"/>
+        <a:off x="2521393" y="0"/>
         <a:ext cx="1146405" cy="802666"/>
       </dsp:txXfrm>
     </dsp:sp>
@@ -3434,7 +4431,7 @@
       </dsp:nvSpPr>
       <dsp:spPr>
         <a:xfrm>
-          <a:off x="3692722" y="2498855"/>
+          <a:off x="3692722" y="2482738"/>
           <a:ext cx="1492959" cy="802666"/>
         </a:xfrm>
         <a:prstGeom prst="rect">
@@ -3459,12 +4456,12 @@
         <a:fontRef idx="minor"/>
       </dsp:style>
       <dsp:txBody>
-        <a:bodyPr spcFirstLastPara="0" vert="horz" wrap="square" lIns="60960" tIns="60960" rIns="60960" bIns="60960" numCol="1" spcCol="1270" anchor="ctr" anchorCtr="0">
+        <a:bodyPr spcFirstLastPara="0" vert="horz" wrap="square" lIns="64770" tIns="64770" rIns="64770" bIns="64770" numCol="1" spcCol="1270" anchor="ctr" anchorCtr="0">
           <a:noAutofit/>
         </a:bodyPr>
         <a:lstStyle/>
         <a:p>
-          <a:pPr marL="0" lvl="0" indent="0" algn="l" defTabSz="711200">
+          <a:pPr marL="0" lvl="0" indent="0" algn="l" defTabSz="755650">
             <a:lnSpc>
               <a:spcPct val="90000"/>
             </a:lnSpc>
@@ -3476,14 +4473,11 @@
             </a:spcAft>
             <a:buNone/>
           </a:pPr>
-          <a:r>
-            <a:rPr lang="en-AU" sz="1600" kern="1200" dirty="0"/>
-            <a:t>New JS function deployed</a:t>
-          </a:r>
+          <a:endParaRPr lang="en-AU" sz="1700" kern="1200" dirty="0"/>
         </a:p>
       </dsp:txBody>
       <dsp:txXfrm>
-        <a:off x="3692722" y="2498855"/>
+        <a:off x="3692722" y="2482738"/>
         <a:ext cx="1492959" cy="802666"/>
       </dsp:txXfrm>
     </dsp:sp>
@@ -3572,6 +4566,382 @@
       <dsp:txXfrm rot="-5400000">
         <a:off x="1233089" y="2480791"/>
         <a:ext cx="801128" cy="920837"/>
+      </dsp:txXfrm>
+    </dsp:sp>
+  </dsp:spTree>
+</dsp:drawing>
+</file>
+
+<file path=ppt/diagrams/drawing3.xml><?xml version="1.0" encoding="utf-8"?>
+<dsp:drawing xmlns:dgm="http://schemas.openxmlformats.org/drawingml/2006/diagram" xmlns:dsp="http://schemas.microsoft.com/office/drawing/2008/diagram" xmlns:a="http://schemas.openxmlformats.org/drawingml/2006/main">
+  <dsp:spTree>
+    <dsp:nvGrpSpPr>
+      <dsp:cNvPr id="0" name=""/>
+      <dsp:cNvGrpSpPr/>
+    </dsp:nvGrpSpPr>
+    <dsp:grpSpPr/>
+    <dsp:sp modelId="{4DA6F953-B4F9-4681-85F0-CD9596C5DF9E}">
+      <dsp:nvSpPr>
+        <dsp:cNvPr id="0" name=""/>
+        <dsp:cNvSpPr/>
+      </dsp:nvSpPr>
+      <dsp:spPr>
+        <a:xfrm>
+          <a:off x="1542937" y="3558039"/>
+          <a:ext cx="2457174" cy="1287000"/>
+        </a:xfrm>
+        <a:prstGeom prst="rect">
+          <a:avLst/>
+        </a:prstGeom>
+        <a:noFill/>
+        <a:ln>
+          <a:noFill/>
+        </a:ln>
+        <a:effectLst/>
+      </dsp:spPr>
+      <dsp:style>
+        <a:lnRef idx="0">
+          <a:scrgbClr r="0" g="0" b="0"/>
+        </a:lnRef>
+        <a:fillRef idx="0">
+          <a:scrgbClr r="0" g="0" b="0"/>
+        </a:fillRef>
+        <a:effectRef idx="0">
+          <a:scrgbClr r="0" g="0" b="0"/>
+        </a:effectRef>
+        <a:fontRef idx="minor"/>
+      </dsp:style>
+      <dsp:txBody>
+        <a:bodyPr spcFirstLastPara="0" vert="horz" wrap="square" lIns="462280" tIns="165100" rIns="462280" bIns="165100" numCol="1" spcCol="1270" anchor="ctr" anchorCtr="0">
+          <a:noAutofit/>
+        </a:bodyPr>
+        <a:lstStyle/>
+        <a:p>
+          <a:pPr marL="0" lvl="0" indent="0" algn="r" defTabSz="2889250">
+            <a:lnSpc>
+              <a:spcPct val="90000"/>
+            </a:lnSpc>
+            <a:spcBef>
+              <a:spcPct val="0"/>
+            </a:spcBef>
+            <a:spcAft>
+              <a:spcPct val="35000"/>
+            </a:spcAft>
+            <a:buNone/>
+          </a:pPr>
+          <a:endParaRPr lang="en-AU" sz="6500" kern="1200" dirty="0"/>
+        </a:p>
+      </dsp:txBody>
+      <dsp:txXfrm>
+        <a:off x="1542937" y="3558039"/>
+        <a:ext cx="2457174" cy="1287000"/>
+      </dsp:txXfrm>
+    </dsp:sp>
+    <dsp:sp modelId="{00690E6B-E3E9-48C2-98E1-EEA7E8822E37}">
+      <dsp:nvSpPr>
+        <dsp:cNvPr id="0" name=""/>
+        <dsp:cNvSpPr/>
+      </dsp:nvSpPr>
+      <dsp:spPr>
+        <a:xfrm>
+          <a:off x="7619041" y="384170"/>
+          <a:ext cx="178410" cy="839793"/>
+        </a:xfrm>
+        <a:prstGeom prst="leftBrace">
+          <a:avLst>
+            <a:gd name="adj1" fmla="val 35000"/>
+            <a:gd name="adj2" fmla="val 50000"/>
+          </a:avLst>
+        </a:prstGeom>
+        <a:noFill/>
+        <a:ln w="15875" cap="flat" cmpd="sng" algn="ctr">
+          <a:solidFill>
+            <a:schemeClr val="accent1">
+              <a:shade val="60000"/>
+              <a:hueOff val="0"/>
+              <a:satOff val="0"/>
+              <a:lumOff val="0"/>
+              <a:alphaOff val="0"/>
+            </a:schemeClr>
+          </a:solidFill>
+          <a:prstDash val="solid"/>
+        </a:ln>
+        <a:effectLst/>
+      </dsp:spPr>
+      <dsp:style>
+        <a:lnRef idx="2">
+          <a:scrgbClr r="0" g="0" b="0"/>
+        </a:lnRef>
+        <a:fillRef idx="0">
+          <a:scrgbClr r="0" g="0" b="0"/>
+        </a:fillRef>
+        <a:effectRef idx="0">
+          <a:scrgbClr r="0" g="0" b="0"/>
+        </a:effectRef>
+        <a:fontRef idx="minor"/>
+      </dsp:style>
+    </dsp:sp>
+    <dsp:sp modelId="{F57523E6-63DF-41CA-92AE-A90AB7AEE5FC}">
+      <dsp:nvSpPr>
+        <dsp:cNvPr id="0" name=""/>
+        <dsp:cNvSpPr/>
+      </dsp:nvSpPr>
+      <dsp:spPr>
+        <a:xfrm flipH="1">
+          <a:off x="8061869" y="351094"/>
+          <a:ext cx="1296868" cy="926537"/>
+        </a:xfrm>
+        <a:prstGeom prst="rect">
+          <a:avLst/>
+        </a:prstGeom>
+        <a:solidFill>
+          <a:schemeClr val="accent1">
+            <a:hueOff val="0"/>
+            <a:satOff val="0"/>
+            <a:lumOff val="0"/>
+            <a:alphaOff val="0"/>
+          </a:schemeClr>
+        </a:solidFill>
+        <a:ln w="15875" cap="flat" cmpd="sng" algn="ctr">
+          <a:solidFill>
+            <a:schemeClr val="lt1">
+              <a:hueOff val="0"/>
+              <a:satOff val="0"/>
+              <a:lumOff val="0"/>
+              <a:alphaOff val="0"/>
+            </a:schemeClr>
+          </a:solidFill>
+          <a:prstDash val="solid"/>
+        </a:ln>
+        <a:effectLst/>
+      </dsp:spPr>
+      <dsp:style>
+        <a:lnRef idx="2">
+          <a:scrgbClr r="0" g="0" b="0"/>
+        </a:lnRef>
+        <a:fillRef idx="1">
+          <a:scrgbClr r="0" g="0" b="0"/>
+        </a:fillRef>
+        <a:effectRef idx="0">
+          <a:scrgbClr r="0" g="0" b="0"/>
+        </a:effectRef>
+        <a:fontRef idx="minor">
+          <a:schemeClr val="lt1"/>
+        </a:fontRef>
+      </dsp:style>
+      <dsp:txBody>
+        <a:bodyPr spcFirstLastPara="0" vert="horz" wrap="square" lIns="53340" tIns="53340" rIns="53340" bIns="53340" numCol="1" spcCol="1270" anchor="ctr" anchorCtr="0">
+          <a:noAutofit/>
+        </a:bodyPr>
+        <a:lstStyle/>
+        <a:p>
+          <a:pPr marL="114300" lvl="1" indent="-114300" algn="l" defTabSz="622300">
+            <a:lnSpc>
+              <a:spcPct val="90000"/>
+            </a:lnSpc>
+            <a:spcBef>
+              <a:spcPct val="0"/>
+            </a:spcBef>
+            <a:spcAft>
+              <a:spcPct val="15000"/>
+            </a:spcAft>
+            <a:buChar char="•"/>
+          </a:pPr>
+          <a:r>
+            <a:rPr lang="en-AU" sz="1400" kern="1200" dirty="0">
+              <a:solidFill>
+                <a:schemeClr val="bg1"/>
+              </a:solidFill>
+            </a:rPr>
+            <a:t>Flask API tested</a:t>
+          </a:r>
+        </a:p>
+      </dsp:txBody>
+      <dsp:txXfrm>
+        <a:off x="8061869" y="351094"/>
+        <a:ext cx="1296868" cy="926537"/>
+      </dsp:txXfrm>
+    </dsp:sp>
+    <dsp:sp modelId="{93AB0497-0783-4F78-BFC9-31CD909D8788}">
+      <dsp:nvSpPr>
+        <dsp:cNvPr id="0" name=""/>
+        <dsp:cNvSpPr/>
+      </dsp:nvSpPr>
+      <dsp:spPr>
+        <a:xfrm>
+          <a:off x="3415623" y="3558039"/>
+          <a:ext cx="2457174" cy="1287000"/>
+        </a:xfrm>
+        <a:prstGeom prst="rect">
+          <a:avLst/>
+        </a:prstGeom>
+        <a:noFill/>
+        <a:ln>
+          <a:noFill/>
+        </a:ln>
+        <a:effectLst/>
+      </dsp:spPr>
+      <dsp:style>
+        <a:lnRef idx="0">
+          <a:scrgbClr r="0" g="0" b="0"/>
+        </a:lnRef>
+        <a:fillRef idx="0">
+          <a:scrgbClr r="0" g="0" b="0"/>
+        </a:fillRef>
+        <a:effectRef idx="0">
+          <a:scrgbClr r="0" g="0" b="0"/>
+        </a:effectRef>
+        <a:fontRef idx="minor"/>
+      </dsp:style>
+      <dsp:txBody>
+        <a:bodyPr spcFirstLastPara="0" vert="horz" wrap="square" lIns="462280" tIns="165100" rIns="462280" bIns="165100" numCol="1" spcCol="1270" anchor="ctr" anchorCtr="0">
+          <a:noAutofit/>
+        </a:bodyPr>
+        <a:lstStyle/>
+        <a:p>
+          <a:pPr marL="0" lvl="0" indent="0" algn="r" defTabSz="2889250">
+            <a:lnSpc>
+              <a:spcPct val="90000"/>
+            </a:lnSpc>
+            <a:spcBef>
+              <a:spcPct val="0"/>
+            </a:spcBef>
+            <a:spcAft>
+              <a:spcPct val="35000"/>
+            </a:spcAft>
+            <a:buNone/>
+          </a:pPr>
+          <a:endParaRPr lang="en-AU" sz="6500" kern="1200" dirty="0"/>
+        </a:p>
+      </dsp:txBody>
+      <dsp:txXfrm>
+        <a:off x="3415623" y="3558039"/>
+        <a:ext cx="2457174" cy="1287000"/>
+      </dsp:txXfrm>
+    </dsp:sp>
+    <dsp:sp modelId="{AA3A0D75-69BE-4DBF-90CE-63AE733BAA69}">
+      <dsp:nvSpPr>
+        <dsp:cNvPr id="0" name=""/>
+        <dsp:cNvSpPr/>
+      </dsp:nvSpPr>
+      <dsp:spPr>
+        <a:xfrm>
+          <a:off x="7586381" y="3183547"/>
+          <a:ext cx="234035" cy="853100"/>
+        </a:xfrm>
+        <a:prstGeom prst="leftBrace">
+          <a:avLst>
+            <a:gd name="adj1" fmla="val 35000"/>
+            <a:gd name="adj2" fmla="val 50000"/>
+          </a:avLst>
+        </a:prstGeom>
+        <a:noFill/>
+        <a:ln w="15875" cap="flat" cmpd="sng" algn="ctr">
+          <a:solidFill>
+            <a:schemeClr val="accent1">
+              <a:shade val="60000"/>
+              <a:hueOff val="0"/>
+              <a:satOff val="0"/>
+              <a:lumOff val="0"/>
+              <a:alphaOff val="0"/>
+            </a:schemeClr>
+          </a:solidFill>
+          <a:prstDash val="solid"/>
+        </a:ln>
+        <a:effectLst/>
+      </dsp:spPr>
+      <dsp:style>
+        <a:lnRef idx="2">
+          <a:scrgbClr r="0" g="0" b="0"/>
+        </a:lnRef>
+        <a:fillRef idx="0">
+          <a:scrgbClr r="0" g="0" b="0"/>
+        </a:fillRef>
+        <a:effectRef idx="0">
+          <a:scrgbClr r="0" g="0" b="0"/>
+        </a:effectRef>
+        <a:fontRef idx="minor"/>
+      </dsp:style>
+    </dsp:sp>
+    <dsp:sp modelId="{F1863E33-D94D-4153-83E8-F8C3E2AE51A9}">
+      <dsp:nvSpPr>
+        <dsp:cNvPr id="0" name=""/>
+        <dsp:cNvSpPr/>
+      </dsp:nvSpPr>
+      <dsp:spPr>
+        <a:xfrm>
+          <a:off x="8017977" y="3146359"/>
+          <a:ext cx="1235848" cy="927476"/>
+        </a:xfrm>
+        <a:prstGeom prst="rect">
+          <a:avLst/>
+        </a:prstGeom>
+        <a:solidFill>
+          <a:schemeClr val="accent1">
+            <a:hueOff val="0"/>
+            <a:satOff val="0"/>
+            <a:lumOff val="0"/>
+            <a:alphaOff val="0"/>
+          </a:schemeClr>
+        </a:solidFill>
+        <a:ln w="15875" cap="flat" cmpd="sng" algn="ctr">
+          <a:solidFill>
+            <a:schemeClr val="lt1">
+              <a:hueOff val="0"/>
+              <a:satOff val="0"/>
+              <a:lumOff val="0"/>
+              <a:alphaOff val="0"/>
+            </a:schemeClr>
+          </a:solidFill>
+          <a:prstDash val="solid"/>
+        </a:ln>
+        <a:effectLst/>
+      </dsp:spPr>
+      <dsp:style>
+        <a:lnRef idx="2">
+          <a:scrgbClr r="0" g="0" b="0"/>
+        </a:lnRef>
+        <a:fillRef idx="1">
+          <a:scrgbClr r="0" g="0" b="0"/>
+        </a:fillRef>
+        <a:effectRef idx="0">
+          <a:scrgbClr r="0" g="0" b="0"/>
+        </a:effectRef>
+        <a:fontRef idx="minor">
+          <a:schemeClr val="lt1"/>
+        </a:fontRef>
+      </dsp:style>
+      <dsp:txBody>
+        <a:bodyPr spcFirstLastPara="0" vert="horz" wrap="square" lIns="53340" tIns="53340" rIns="53340" bIns="53340" numCol="1" spcCol="1270" anchor="ctr" anchorCtr="0">
+          <a:noAutofit/>
+        </a:bodyPr>
+        <a:lstStyle/>
+        <a:p>
+          <a:pPr marL="114300" lvl="1" indent="-114300" algn="l" defTabSz="622300">
+            <a:lnSpc>
+              <a:spcPct val="90000"/>
+            </a:lnSpc>
+            <a:spcBef>
+              <a:spcPct val="0"/>
+            </a:spcBef>
+            <a:spcAft>
+              <a:spcPct val="15000"/>
+            </a:spcAft>
+            <a:buChar char="•"/>
+          </a:pPr>
+          <a:r>
+            <a:rPr lang="en-AU" sz="1400" kern="1200" dirty="0">
+              <a:solidFill>
+                <a:schemeClr val="bg1"/>
+              </a:solidFill>
+            </a:rPr>
+            <a:t>New JS function deployed</a:t>
+          </a:r>
+        </a:p>
+      </dsp:txBody>
+      <dsp:txXfrm>
+        <a:off x="8017977" y="3146359"/>
+        <a:ext cx="1235848" cy="927476"/>
       </dsp:txXfrm>
     </dsp:sp>
   </dsp:spTree>
@@ -4152,6 +5522,211 @@
 </dgm:layoutDef>
 </file>
 
+<file path=ppt/diagrams/layout3.xml><?xml version="1.0" encoding="utf-8"?>
+<dgm:layoutDef xmlns:dgm="http://schemas.openxmlformats.org/drawingml/2006/diagram" xmlns:a="http://schemas.openxmlformats.org/drawingml/2006/main" uniqueId="urn:diagrams.loki3.com/BracketList">
+  <dgm:title val="Vertical Bracket List"/>
+  <dgm:desc val="Use to show grouped blocks of information.  Works well with large amounts of Level 2 text."/>
+  <dgm:catLst>
+    <dgm:cat type="list" pri="4110"/>
+    <dgm:cat type="officeonline" pri="3000"/>
+  </dgm:catLst>
+  <dgm:sampData>
+    <dgm:dataModel>
+      <dgm:ptLst>
+        <dgm:pt modelId="0" type="doc"/>
+        <dgm:pt modelId="1">
+          <dgm:prSet phldr="1"/>
+        </dgm:pt>
+        <dgm:pt modelId="11">
+          <dgm:prSet phldr="1"/>
+        </dgm:pt>
+        <dgm:pt modelId="2">
+          <dgm:prSet phldr="1"/>
+        </dgm:pt>
+        <dgm:pt modelId="21">
+          <dgm:prSet phldr="1"/>
+        </dgm:pt>
+      </dgm:ptLst>
+      <dgm:cxnLst>
+        <dgm:cxn modelId="3" srcId="0" destId="1" srcOrd="0" destOrd="0"/>
+        <dgm:cxn modelId="4" srcId="1" destId="11" srcOrd="0" destOrd="0"/>
+        <dgm:cxn modelId="5" srcId="0" destId="2" srcOrd="0" destOrd="0"/>
+        <dgm:cxn modelId="6" srcId="2" destId="21" srcOrd="0" destOrd="0"/>
+      </dgm:cxnLst>
+      <dgm:bg/>
+      <dgm:whole/>
+    </dgm:dataModel>
+  </dgm:sampData>
+  <dgm:styleData useDef="1">
+    <dgm:dataModel>
+      <dgm:ptLst/>
+      <dgm:bg/>
+      <dgm:whole/>
+    </dgm:dataModel>
+  </dgm:styleData>
+  <dgm:clrData useDef="1">
+    <dgm:dataModel>
+      <dgm:ptLst/>
+      <dgm:bg/>
+      <dgm:whole/>
+    </dgm:dataModel>
+  </dgm:clrData>
+  <dgm:layoutNode name="Name0">
+    <dgm:varLst>
+      <dgm:dir/>
+      <dgm:animLvl val="lvl"/>
+      <dgm:resizeHandles val="exact"/>
+    </dgm:varLst>
+    <dgm:choose name="Name1">
+      <dgm:if name="Name2" func="var" arg="dir" op="equ" val="norm">
+        <dgm:alg type="lin">
+          <dgm:param type="linDir" val="fromT"/>
+          <dgm:param type="nodeHorzAlign" val="l"/>
+        </dgm:alg>
+      </dgm:if>
+      <dgm:else name="Name3">
+        <dgm:alg type="lin">
+          <dgm:param type="linDir" val="fromT"/>
+          <dgm:param type="nodeHorzAlign" val="r"/>
+        </dgm:alg>
+      </dgm:else>
+    </dgm:choose>
+    <dgm:shape xmlns:r="http://schemas.openxmlformats.org/officeDocument/2006/relationships" r:blip="">
+      <dgm:adjLst/>
+    </dgm:shape>
+    <dgm:presOf/>
+    <dgm:constrLst>
+      <dgm:constr type="h" for="ch" forName="linNode" refType="h"/>
+      <dgm:constr type="w" for="ch" forName="linNode" refType="w"/>
+      <dgm:constr type="h" for="ch" forName="spV" refType="primFontSz" refFor="des" refForName="parTx" fact="0.1"/>
+      <dgm:constr type="primFontSz" for="des" forName="parTx" val="65"/>
+      <dgm:constr type="primFontSz" for="des" forName="desTx" refType="primFontSz" refFor="des" refForName="parTx"/>
+      <dgm:constr type="h" for="des" forName="parTx" refType="primFontSz" refFor="des" refForName="parTx" fact="0.55"/>
+      <dgm:constr type="h" for="des" forName="bracket" refType="primFontSz" refFor="des" refForName="parTx" fact="0.55"/>
+      <dgm:constr type="h" for="des" forName="desTx" refType="primFontSz" refFor="des" refForName="parTx" fact="0.55"/>
+    </dgm:constrLst>
+    <dgm:ruleLst>
+      <dgm:rule type="primFontSz" for="des" forName="parTx" val="5" fact="NaN" max="NaN"/>
+    </dgm:ruleLst>
+    <dgm:forEach name="Name4" axis="ch" ptType="node">
+      <dgm:layoutNode name="linNode">
+        <dgm:choose name="Name5">
+          <dgm:if name="Name6" func="var" arg="dir" op="equ" val="norm">
+            <dgm:alg type="lin">
+              <dgm:param type="linDir" val="fromL"/>
+            </dgm:alg>
+          </dgm:if>
+          <dgm:else name="Name7">
+            <dgm:alg type="lin">
+              <dgm:param type="linDir" val="fromR"/>
+            </dgm:alg>
+          </dgm:else>
+        </dgm:choose>
+        <dgm:shape xmlns:r="http://schemas.openxmlformats.org/officeDocument/2006/relationships" r:blip="">
+          <dgm:adjLst/>
+        </dgm:shape>
+        <dgm:presOf/>
+        <dgm:constrLst>
+          <dgm:constr type="w" for="ch" forName="parTx" refType="w" fact="0.25"/>
+          <dgm:constr type="w" for="ch" forName="bracket" refType="w" fact="0.05"/>
+          <dgm:constr type="w" for="ch" forName="spH" refType="w" fact="0.02"/>
+          <dgm:constr type="w" for="ch" forName="desTx" refType="w" fact="0.68"/>
+          <dgm:constr type="h" for="ch" forName="bracket" refType="h" refFor="ch" refForName="desTx" op="gte"/>
+          <dgm:constr type="h" for="ch" forName="bracket" refType="h" refFor="ch" refForName="parTx" op="gte"/>
+          <dgm:constr type="h" for="ch" forName="desTx" refType="h" refFor="ch" refForName="parTx" op="gte"/>
+        </dgm:constrLst>
+        <dgm:ruleLst/>
+        <dgm:layoutNode name="parTx" styleLbl="revTx">
+          <dgm:varLst>
+            <dgm:chMax val="1"/>
+            <dgm:bulletEnabled val="1"/>
+          </dgm:varLst>
+          <dgm:choose name="Name8">
+            <dgm:if name="Name9" func="var" arg="dir" op="equ" val="norm">
+              <dgm:alg type="tx">
+                <dgm:param type="parTxLTRAlign" val="r"/>
+              </dgm:alg>
+            </dgm:if>
+            <dgm:else name="Name10">
+              <dgm:alg type="tx">
+                <dgm:param type="parTxLTRAlign" val="l"/>
+              </dgm:alg>
+            </dgm:else>
+          </dgm:choose>
+          <dgm:shape xmlns:r="http://schemas.openxmlformats.org/officeDocument/2006/relationships" type="rect" r:blip="">
+            <dgm:adjLst/>
+          </dgm:shape>
+          <dgm:presOf axis="self" ptType="node"/>
+          <dgm:constrLst>
+            <dgm:constr type="tMarg" refType="primFontSz" fact="0.2"/>
+            <dgm:constr type="bMarg" refType="primFontSz" fact="0.2"/>
+          </dgm:constrLst>
+          <dgm:ruleLst>
+            <dgm:rule type="h" val="INF" fact="NaN" max="NaN"/>
+          </dgm:ruleLst>
+        </dgm:layoutNode>
+        <dgm:layoutNode name="bracket" styleLbl="parChTrans1D1">
+          <dgm:alg type="sp"/>
+          <dgm:choose name="Name11">
+            <dgm:if name="Name12" func="var" arg="dir" op="equ" val="norm">
+              <dgm:shape xmlns:r="http://schemas.openxmlformats.org/officeDocument/2006/relationships" type="leftBrace" r:blip="">
+                <dgm:adjLst>
+                  <dgm:adj idx="1" val="0.35"/>
+                </dgm:adjLst>
+              </dgm:shape>
+            </dgm:if>
+            <dgm:else name="Name13">
+              <dgm:shape xmlns:r="http://schemas.openxmlformats.org/officeDocument/2006/relationships" rot="180" type="leftBrace" r:blip="">
+                <dgm:adjLst>
+                  <dgm:adj idx="1" val="0.35"/>
+                </dgm:adjLst>
+              </dgm:shape>
+            </dgm:else>
+          </dgm:choose>
+          <dgm:presOf/>
+        </dgm:layoutNode>
+        <dgm:layoutNode name="spH">
+          <dgm:alg type="sp"/>
+        </dgm:layoutNode>
+        <dgm:choose name="Name14">
+          <dgm:if name="Name15" axis="ch" ptType="node" func="cnt" op="gte" val="1">
+            <dgm:layoutNode name="desTx" styleLbl="node1">
+              <dgm:varLst>
+                <dgm:bulletEnabled val="1"/>
+              </dgm:varLst>
+              <dgm:alg type="tx">
+                <dgm:param type="stBulletLvl" val="1"/>
+                <dgm:param type="txAnchorVertCh" val="mid"/>
+              </dgm:alg>
+              <dgm:shape xmlns:r="http://schemas.openxmlformats.org/officeDocument/2006/relationships" type="rect" r:blip="">
+                <dgm:adjLst/>
+              </dgm:shape>
+              <dgm:presOf axis="des" ptType="node"/>
+              <dgm:constrLst>
+                <dgm:constr type="secFontSz" refType="primFontSz"/>
+                <dgm:constr type="tMarg" refType="primFontSz" fact="0.3"/>
+                <dgm:constr type="bMarg" refType="primFontSz" fact="0.3"/>
+                <dgm:constr type="lMarg" refType="primFontSz" fact="0.3"/>
+                <dgm:constr type="rMarg" refType="primFontSz" fact="0.3"/>
+              </dgm:constrLst>
+              <dgm:ruleLst>
+                <dgm:rule type="h" val="INF" fact="NaN" max="NaN"/>
+              </dgm:ruleLst>
+            </dgm:layoutNode>
+          </dgm:if>
+          <dgm:else name="Name16"/>
+        </dgm:choose>
+      </dgm:layoutNode>
+      <dgm:forEach name="Name17" axis="followSib" ptType="sibTrans" cnt="1">
+        <dgm:layoutNode name="spV">
+          <dgm:alg type="sp"/>
+        </dgm:layoutNode>
+      </dgm:forEach>
+    </dgm:forEach>
+  </dgm:layoutNode>
+</dgm:layoutDef>
+</file>
+
 <file path=ppt/diagrams/quickStyle1.xml><?xml version="1.0" encoding="utf-8"?>
 <dgm:styleDef xmlns:dgm="http://schemas.openxmlformats.org/drawingml/2006/diagram" xmlns:a="http://schemas.openxmlformats.org/drawingml/2006/main" uniqueId="urn:microsoft.com/office/officeart/2005/8/quickstyle/simple1">
   <dgm:title val=""/>
@@ -5187,6 +6762,1040 @@
 </file>
 
 <file path=ppt/diagrams/quickStyle2.xml><?xml version="1.0" encoding="utf-8"?>
+<dgm:styleDef xmlns:dgm="http://schemas.openxmlformats.org/drawingml/2006/diagram" xmlns:a="http://schemas.openxmlformats.org/drawingml/2006/main" uniqueId="urn:microsoft.com/office/officeart/2005/8/quickstyle/simple1">
+  <dgm:title val=""/>
+  <dgm:desc val=""/>
+  <dgm:catLst>
+    <dgm:cat type="simple" pri="10100"/>
+  </dgm:catLst>
+  <dgm:scene3d>
+    <a:camera prst="orthographicFront"/>
+    <a:lightRig rig="threePt" dir="t"/>
+  </dgm:scene3d>
+  <dgm:styleLbl name="node0">
+    <dgm:scene3d>
+      <a:camera prst="orthographicFront"/>
+      <a:lightRig rig="threePt" dir="t"/>
+    </dgm:scene3d>
+    <dgm:sp3d/>
+    <dgm:txPr/>
+    <dgm:style>
+      <a:lnRef idx="2">
+        <a:scrgbClr r="0" g="0" b="0"/>
+      </a:lnRef>
+      <a:fillRef idx="1">
+        <a:scrgbClr r="0" g="0" b="0"/>
+      </a:fillRef>
+      <a:effectRef idx="0">
+        <a:scrgbClr r="0" g="0" b="0"/>
+      </a:effectRef>
+      <a:fontRef idx="minor">
+        <a:schemeClr val="lt1"/>
+      </a:fontRef>
+    </dgm:style>
+  </dgm:styleLbl>
+  <dgm:styleLbl name="lnNode1">
+    <dgm:scene3d>
+      <a:camera prst="orthographicFront"/>
+      <a:lightRig rig="threePt" dir="t"/>
+    </dgm:scene3d>
+    <dgm:sp3d/>
+    <dgm:txPr/>
+    <dgm:style>
+      <a:lnRef idx="2">
+        <a:scrgbClr r="0" g="0" b="0"/>
+      </a:lnRef>
+      <a:fillRef idx="1">
+        <a:scrgbClr r="0" g="0" b="0"/>
+      </a:fillRef>
+      <a:effectRef idx="0">
+        <a:scrgbClr r="0" g="0" b="0"/>
+      </a:effectRef>
+      <a:fontRef idx="minor">
+        <a:schemeClr val="lt1"/>
+      </a:fontRef>
+    </dgm:style>
+  </dgm:styleLbl>
+  <dgm:styleLbl name="vennNode1">
+    <dgm:scene3d>
+      <a:camera prst="orthographicFront"/>
+      <a:lightRig rig="threePt" dir="t"/>
+    </dgm:scene3d>
+    <dgm:sp3d/>
+    <dgm:txPr/>
+    <dgm:style>
+      <a:lnRef idx="2">
+        <a:scrgbClr r="0" g="0" b="0"/>
+      </a:lnRef>
+      <a:fillRef idx="1">
+        <a:scrgbClr r="0" g="0" b="0"/>
+      </a:fillRef>
+      <a:effectRef idx="0">
+        <a:scrgbClr r="0" g="0" b="0"/>
+      </a:effectRef>
+      <a:fontRef idx="minor">
+        <a:schemeClr val="tx1"/>
+      </a:fontRef>
+    </dgm:style>
+  </dgm:styleLbl>
+  <dgm:styleLbl name="alignNode1">
+    <dgm:scene3d>
+      <a:camera prst="orthographicFront"/>
+      <a:lightRig rig="threePt" dir="t"/>
+    </dgm:scene3d>
+    <dgm:sp3d/>
+    <dgm:txPr/>
+    <dgm:style>
+      <a:lnRef idx="2">
+        <a:scrgbClr r="0" g="0" b="0"/>
+      </a:lnRef>
+      <a:fillRef idx="1">
+        <a:scrgbClr r="0" g="0" b="0"/>
+      </a:fillRef>
+      <a:effectRef idx="0">
+        <a:scrgbClr r="0" g="0" b="0"/>
+      </a:effectRef>
+      <a:fontRef idx="minor">
+        <a:schemeClr val="lt1"/>
+      </a:fontRef>
+    </dgm:style>
+  </dgm:styleLbl>
+  <dgm:styleLbl name="node1">
+    <dgm:scene3d>
+      <a:camera prst="orthographicFront"/>
+      <a:lightRig rig="threePt" dir="t"/>
+    </dgm:scene3d>
+    <dgm:sp3d/>
+    <dgm:txPr/>
+    <dgm:style>
+      <a:lnRef idx="2">
+        <a:scrgbClr r="0" g="0" b="0"/>
+      </a:lnRef>
+      <a:fillRef idx="1">
+        <a:scrgbClr r="0" g="0" b="0"/>
+      </a:fillRef>
+      <a:effectRef idx="0">
+        <a:scrgbClr r="0" g="0" b="0"/>
+      </a:effectRef>
+      <a:fontRef idx="minor">
+        <a:schemeClr val="lt1"/>
+      </a:fontRef>
+    </dgm:style>
+  </dgm:styleLbl>
+  <dgm:styleLbl name="node2">
+    <dgm:scene3d>
+      <a:camera prst="orthographicFront"/>
+      <a:lightRig rig="threePt" dir="t"/>
+    </dgm:scene3d>
+    <dgm:sp3d/>
+    <dgm:txPr/>
+    <dgm:style>
+      <a:lnRef idx="2">
+        <a:scrgbClr r="0" g="0" b="0"/>
+      </a:lnRef>
+      <a:fillRef idx="1">
+        <a:scrgbClr r="0" g="0" b="0"/>
+      </a:fillRef>
+      <a:effectRef idx="0">
+        <a:scrgbClr r="0" g="0" b="0"/>
+      </a:effectRef>
+      <a:fontRef idx="minor">
+        <a:schemeClr val="lt1"/>
+      </a:fontRef>
+    </dgm:style>
+  </dgm:styleLbl>
+  <dgm:styleLbl name="node3">
+    <dgm:scene3d>
+      <a:camera prst="orthographicFront"/>
+      <a:lightRig rig="threePt" dir="t"/>
+    </dgm:scene3d>
+    <dgm:sp3d/>
+    <dgm:txPr/>
+    <dgm:style>
+      <a:lnRef idx="2">
+        <a:scrgbClr r="0" g="0" b="0"/>
+      </a:lnRef>
+      <a:fillRef idx="1">
+        <a:scrgbClr r="0" g="0" b="0"/>
+      </a:fillRef>
+      <a:effectRef idx="0">
+        <a:scrgbClr r="0" g="0" b="0"/>
+      </a:effectRef>
+      <a:fontRef idx="minor">
+        <a:schemeClr val="lt1"/>
+      </a:fontRef>
+    </dgm:style>
+  </dgm:styleLbl>
+  <dgm:styleLbl name="node4">
+    <dgm:scene3d>
+      <a:camera prst="orthographicFront"/>
+      <a:lightRig rig="threePt" dir="t"/>
+    </dgm:scene3d>
+    <dgm:sp3d/>
+    <dgm:txPr/>
+    <dgm:style>
+      <a:lnRef idx="2">
+        <a:scrgbClr r="0" g="0" b="0"/>
+      </a:lnRef>
+      <a:fillRef idx="1">
+        <a:scrgbClr r="0" g="0" b="0"/>
+      </a:fillRef>
+      <a:effectRef idx="0">
+        <a:scrgbClr r="0" g="0" b="0"/>
+      </a:effectRef>
+      <a:fontRef idx="minor">
+        <a:schemeClr val="lt1"/>
+      </a:fontRef>
+    </dgm:style>
+  </dgm:styleLbl>
+  <dgm:styleLbl name="fgImgPlace1">
+    <dgm:scene3d>
+      <a:camera prst="orthographicFront"/>
+      <a:lightRig rig="threePt" dir="t"/>
+    </dgm:scene3d>
+    <dgm:sp3d/>
+    <dgm:txPr/>
+    <dgm:style>
+      <a:lnRef idx="2">
+        <a:scrgbClr r="0" g="0" b="0"/>
+      </a:lnRef>
+      <a:fillRef idx="1">
+        <a:scrgbClr r="0" g="0" b="0"/>
+      </a:fillRef>
+      <a:effectRef idx="0">
+        <a:scrgbClr r="0" g="0" b="0"/>
+      </a:effectRef>
+      <a:fontRef idx="minor"/>
+    </dgm:style>
+  </dgm:styleLbl>
+  <dgm:styleLbl name="alignImgPlace1">
+    <dgm:scene3d>
+      <a:camera prst="orthographicFront"/>
+      <a:lightRig rig="threePt" dir="t"/>
+    </dgm:scene3d>
+    <dgm:sp3d/>
+    <dgm:txPr/>
+    <dgm:style>
+      <a:lnRef idx="2">
+        <a:scrgbClr r="0" g="0" b="0"/>
+      </a:lnRef>
+      <a:fillRef idx="1">
+        <a:scrgbClr r="0" g="0" b="0"/>
+      </a:fillRef>
+      <a:effectRef idx="0">
+        <a:scrgbClr r="0" g="0" b="0"/>
+      </a:effectRef>
+      <a:fontRef idx="minor"/>
+    </dgm:style>
+  </dgm:styleLbl>
+  <dgm:styleLbl name="bgImgPlace1">
+    <dgm:scene3d>
+      <a:camera prst="orthographicFront"/>
+      <a:lightRig rig="threePt" dir="t"/>
+    </dgm:scene3d>
+    <dgm:sp3d/>
+    <dgm:txPr/>
+    <dgm:style>
+      <a:lnRef idx="2">
+        <a:scrgbClr r="0" g="0" b="0"/>
+      </a:lnRef>
+      <a:fillRef idx="1">
+        <a:scrgbClr r="0" g="0" b="0"/>
+      </a:fillRef>
+      <a:effectRef idx="0">
+        <a:scrgbClr r="0" g="0" b="0"/>
+      </a:effectRef>
+      <a:fontRef idx="minor"/>
+    </dgm:style>
+  </dgm:styleLbl>
+  <dgm:styleLbl name="sibTrans2D1">
+    <dgm:scene3d>
+      <a:camera prst="orthographicFront"/>
+      <a:lightRig rig="threePt" dir="t"/>
+    </dgm:scene3d>
+    <dgm:sp3d/>
+    <dgm:txPr/>
+    <dgm:style>
+      <a:lnRef idx="0">
+        <a:scrgbClr r="0" g="0" b="0"/>
+      </a:lnRef>
+      <a:fillRef idx="1">
+        <a:scrgbClr r="0" g="0" b="0"/>
+      </a:fillRef>
+      <a:effectRef idx="0">
+        <a:scrgbClr r="0" g="0" b="0"/>
+      </a:effectRef>
+      <a:fontRef idx="minor">
+        <a:schemeClr val="lt1"/>
+      </a:fontRef>
+    </dgm:style>
+  </dgm:styleLbl>
+  <dgm:styleLbl name="fgSibTrans2D1">
+    <dgm:scene3d>
+      <a:camera prst="orthographicFront"/>
+      <a:lightRig rig="threePt" dir="t"/>
+    </dgm:scene3d>
+    <dgm:sp3d/>
+    <dgm:txPr/>
+    <dgm:style>
+      <a:lnRef idx="0">
+        <a:scrgbClr r="0" g="0" b="0"/>
+      </a:lnRef>
+      <a:fillRef idx="1">
+        <a:scrgbClr r="0" g="0" b="0"/>
+      </a:fillRef>
+      <a:effectRef idx="0">
+        <a:scrgbClr r="0" g="0" b="0"/>
+      </a:effectRef>
+      <a:fontRef idx="minor">
+        <a:schemeClr val="lt1"/>
+      </a:fontRef>
+    </dgm:style>
+  </dgm:styleLbl>
+  <dgm:styleLbl name="bgSibTrans2D1">
+    <dgm:scene3d>
+      <a:camera prst="orthographicFront"/>
+      <a:lightRig rig="threePt" dir="t"/>
+    </dgm:scene3d>
+    <dgm:sp3d/>
+    <dgm:txPr/>
+    <dgm:style>
+      <a:lnRef idx="0">
+        <a:scrgbClr r="0" g="0" b="0"/>
+      </a:lnRef>
+      <a:fillRef idx="1">
+        <a:scrgbClr r="0" g="0" b="0"/>
+      </a:fillRef>
+      <a:effectRef idx="0">
+        <a:scrgbClr r="0" g="0" b="0"/>
+      </a:effectRef>
+      <a:fontRef idx="minor">
+        <a:schemeClr val="lt1"/>
+      </a:fontRef>
+    </dgm:style>
+  </dgm:styleLbl>
+  <dgm:styleLbl name="sibTrans1D1">
+    <dgm:scene3d>
+      <a:camera prst="orthographicFront"/>
+      <a:lightRig rig="threePt" dir="t"/>
+    </dgm:scene3d>
+    <dgm:sp3d/>
+    <dgm:txPr/>
+    <dgm:style>
+      <a:lnRef idx="1">
+        <a:scrgbClr r="0" g="0" b="0"/>
+      </a:lnRef>
+      <a:fillRef idx="0">
+        <a:scrgbClr r="0" g="0" b="0"/>
+      </a:fillRef>
+      <a:effectRef idx="0">
+        <a:scrgbClr r="0" g="0" b="0"/>
+      </a:effectRef>
+      <a:fontRef idx="minor"/>
+    </dgm:style>
+  </dgm:styleLbl>
+  <dgm:styleLbl name="callout">
+    <dgm:scene3d>
+      <a:camera prst="orthographicFront"/>
+      <a:lightRig rig="threePt" dir="t"/>
+    </dgm:scene3d>
+    <dgm:sp3d/>
+    <dgm:txPr/>
+    <dgm:style>
+      <a:lnRef idx="2">
+        <a:scrgbClr r="0" g="0" b="0"/>
+      </a:lnRef>
+      <a:fillRef idx="1">
+        <a:scrgbClr r="0" g="0" b="0"/>
+      </a:fillRef>
+      <a:effectRef idx="0">
+        <a:scrgbClr r="0" g="0" b="0"/>
+      </a:effectRef>
+      <a:fontRef idx="minor"/>
+    </dgm:style>
+  </dgm:styleLbl>
+  <dgm:styleLbl name="asst0">
+    <dgm:scene3d>
+      <a:camera prst="orthographicFront"/>
+      <a:lightRig rig="threePt" dir="t"/>
+    </dgm:scene3d>
+    <dgm:sp3d/>
+    <dgm:txPr/>
+    <dgm:style>
+      <a:lnRef idx="2">
+        <a:scrgbClr r="0" g="0" b="0"/>
+      </a:lnRef>
+      <a:fillRef idx="1">
+        <a:scrgbClr r="0" g="0" b="0"/>
+      </a:fillRef>
+      <a:effectRef idx="0">
+        <a:scrgbClr r="0" g="0" b="0"/>
+      </a:effectRef>
+      <a:fontRef idx="minor">
+        <a:schemeClr val="lt1"/>
+      </a:fontRef>
+    </dgm:style>
+  </dgm:styleLbl>
+  <dgm:styleLbl name="asst1">
+    <dgm:scene3d>
+      <a:camera prst="orthographicFront"/>
+      <a:lightRig rig="threePt" dir="t"/>
+    </dgm:scene3d>
+    <dgm:sp3d/>
+    <dgm:txPr/>
+    <dgm:style>
+      <a:lnRef idx="2">
+        <a:scrgbClr r="0" g="0" b="0"/>
+      </a:lnRef>
+      <a:fillRef idx="1">
+        <a:scrgbClr r="0" g="0" b="0"/>
+      </a:fillRef>
+      <a:effectRef idx="0">
+        <a:scrgbClr r="0" g="0" b="0"/>
+      </a:effectRef>
+      <a:fontRef idx="minor">
+        <a:schemeClr val="lt1"/>
+      </a:fontRef>
+    </dgm:style>
+  </dgm:styleLbl>
+  <dgm:styleLbl name="asst2">
+    <dgm:scene3d>
+      <a:camera prst="orthographicFront"/>
+      <a:lightRig rig="threePt" dir="t"/>
+    </dgm:scene3d>
+    <dgm:sp3d/>
+    <dgm:txPr/>
+    <dgm:style>
+      <a:lnRef idx="2">
+        <a:scrgbClr r="0" g="0" b="0"/>
+      </a:lnRef>
+      <a:fillRef idx="1">
+        <a:scrgbClr r="0" g="0" b="0"/>
+      </a:fillRef>
+      <a:effectRef idx="0">
+        <a:scrgbClr r="0" g="0" b="0"/>
+      </a:effectRef>
+      <a:fontRef idx="minor">
+        <a:schemeClr val="lt1"/>
+      </a:fontRef>
+    </dgm:style>
+  </dgm:styleLbl>
+  <dgm:styleLbl name="asst3">
+    <dgm:scene3d>
+      <a:camera prst="orthographicFront"/>
+      <a:lightRig rig="threePt" dir="t"/>
+    </dgm:scene3d>
+    <dgm:sp3d/>
+    <dgm:txPr/>
+    <dgm:style>
+      <a:lnRef idx="2">
+        <a:scrgbClr r="0" g="0" b="0"/>
+      </a:lnRef>
+      <a:fillRef idx="1">
+        <a:scrgbClr r="0" g="0" b="0"/>
+      </a:fillRef>
+      <a:effectRef idx="0">
+        <a:scrgbClr r="0" g="0" b="0"/>
+      </a:effectRef>
+      <a:fontRef idx="minor">
+        <a:schemeClr val="lt1"/>
+      </a:fontRef>
+    </dgm:style>
+  </dgm:styleLbl>
+  <dgm:styleLbl name="asst4">
+    <dgm:scene3d>
+      <a:camera prst="orthographicFront"/>
+      <a:lightRig rig="threePt" dir="t"/>
+    </dgm:scene3d>
+    <dgm:sp3d/>
+    <dgm:txPr/>
+    <dgm:style>
+      <a:lnRef idx="2">
+        <a:scrgbClr r="0" g="0" b="0"/>
+      </a:lnRef>
+      <a:fillRef idx="1">
+        <a:scrgbClr r="0" g="0" b="0"/>
+      </a:fillRef>
+      <a:effectRef idx="0">
+        <a:scrgbClr r="0" g="0" b="0"/>
+      </a:effectRef>
+      <a:fontRef idx="minor">
+        <a:schemeClr val="lt1"/>
+      </a:fontRef>
+    </dgm:style>
+  </dgm:styleLbl>
+  <dgm:styleLbl name="parChTrans2D1">
+    <dgm:scene3d>
+      <a:camera prst="orthographicFront"/>
+      <a:lightRig rig="threePt" dir="t"/>
+    </dgm:scene3d>
+    <dgm:sp3d/>
+    <dgm:txPr/>
+    <dgm:style>
+      <a:lnRef idx="2">
+        <a:scrgbClr r="0" g="0" b="0"/>
+      </a:lnRef>
+      <a:fillRef idx="1">
+        <a:scrgbClr r="0" g="0" b="0"/>
+      </a:fillRef>
+      <a:effectRef idx="0">
+        <a:scrgbClr r="0" g="0" b="0"/>
+      </a:effectRef>
+      <a:fontRef idx="minor">
+        <a:schemeClr val="lt1"/>
+      </a:fontRef>
+    </dgm:style>
+  </dgm:styleLbl>
+  <dgm:styleLbl name="parChTrans2D2">
+    <dgm:scene3d>
+      <a:camera prst="orthographicFront"/>
+      <a:lightRig rig="threePt" dir="t"/>
+    </dgm:scene3d>
+    <dgm:sp3d/>
+    <dgm:txPr/>
+    <dgm:style>
+      <a:lnRef idx="2">
+        <a:scrgbClr r="0" g="0" b="0"/>
+      </a:lnRef>
+      <a:fillRef idx="1">
+        <a:scrgbClr r="0" g="0" b="0"/>
+      </a:fillRef>
+      <a:effectRef idx="0">
+        <a:scrgbClr r="0" g="0" b="0"/>
+      </a:effectRef>
+      <a:fontRef idx="minor">
+        <a:schemeClr val="lt1"/>
+      </a:fontRef>
+    </dgm:style>
+  </dgm:styleLbl>
+  <dgm:styleLbl name="parChTrans2D3">
+    <dgm:scene3d>
+      <a:camera prst="orthographicFront"/>
+      <a:lightRig rig="threePt" dir="t"/>
+    </dgm:scene3d>
+    <dgm:sp3d/>
+    <dgm:txPr/>
+    <dgm:style>
+      <a:lnRef idx="2">
+        <a:scrgbClr r="0" g="0" b="0"/>
+      </a:lnRef>
+      <a:fillRef idx="1">
+        <a:scrgbClr r="0" g="0" b="0"/>
+      </a:fillRef>
+      <a:effectRef idx="0">
+        <a:scrgbClr r="0" g="0" b="0"/>
+      </a:effectRef>
+      <a:fontRef idx="minor">
+        <a:schemeClr val="lt1"/>
+      </a:fontRef>
+    </dgm:style>
+  </dgm:styleLbl>
+  <dgm:styleLbl name="parChTrans2D4">
+    <dgm:scene3d>
+      <a:camera prst="orthographicFront"/>
+      <a:lightRig rig="threePt" dir="t"/>
+    </dgm:scene3d>
+    <dgm:sp3d/>
+    <dgm:txPr/>
+    <dgm:style>
+      <a:lnRef idx="2">
+        <a:scrgbClr r="0" g="0" b="0"/>
+      </a:lnRef>
+      <a:fillRef idx="1">
+        <a:scrgbClr r="0" g="0" b="0"/>
+      </a:fillRef>
+      <a:effectRef idx="0">
+        <a:scrgbClr r="0" g="0" b="0"/>
+      </a:effectRef>
+      <a:fontRef idx="minor">
+        <a:schemeClr val="lt1"/>
+      </a:fontRef>
+    </dgm:style>
+  </dgm:styleLbl>
+  <dgm:styleLbl name="parChTrans1D1">
+    <dgm:scene3d>
+      <a:camera prst="orthographicFront"/>
+      <a:lightRig rig="threePt" dir="t"/>
+    </dgm:scene3d>
+    <dgm:sp3d/>
+    <dgm:txPr/>
+    <dgm:style>
+      <a:lnRef idx="2">
+        <a:scrgbClr r="0" g="0" b="0"/>
+      </a:lnRef>
+      <a:fillRef idx="0">
+        <a:scrgbClr r="0" g="0" b="0"/>
+      </a:fillRef>
+      <a:effectRef idx="0">
+        <a:scrgbClr r="0" g="0" b="0"/>
+      </a:effectRef>
+      <a:fontRef idx="minor"/>
+    </dgm:style>
+  </dgm:styleLbl>
+  <dgm:styleLbl name="parChTrans1D2">
+    <dgm:scene3d>
+      <a:camera prst="orthographicFront"/>
+      <a:lightRig rig="threePt" dir="t"/>
+    </dgm:scene3d>
+    <dgm:sp3d/>
+    <dgm:txPr/>
+    <dgm:style>
+      <a:lnRef idx="2">
+        <a:scrgbClr r="0" g="0" b="0"/>
+      </a:lnRef>
+      <a:fillRef idx="0">
+        <a:scrgbClr r="0" g="0" b="0"/>
+      </a:fillRef>
+      <a:effectRef idx="0">
+        <a:scrgbClr r="0" g="0" b="0"/>
+      </a:effectRef>
+      <a:fontRef idx="minor"/>
+    </dgm:style>
+  </dgm:styleLbl>
+  <dgm:styleLbl name="parChTrans1D3">
+    <dgm:scene3d>
+      <a:camera prst="orthographicFront"/>
+      <a:lightRig rig="threePt" dir="t"/>
+    </dgm:scene3d>
+    <dgm:sp3d/>
+    <dgm:txPr/>
+    <dgm:style>
+      <a:lnRef idx="2">
+        <a:scrgbClr r="0" g="0" b="0"/>
+      </a:lnRef>
+      <a:fillRef idx="0">
+        <a:scrgbClr r="0" g="0" b="0"/>
+      </a:fillRef>
+      <a:effectRef idx="0">
+        <a:scrgbClr r="0" g="0" b="0"/>
+      </a:effectRef>
+      <a:fontRef idx="minor"/>
+    </dgm:style>
+  </dgm:styleLbl>
+  <dgm:styleLbl name="parChTrans1D4">
+    <dgm:scene3d>
+      <a:camera prst="orthographicFront"/>
+      <a:lightRig rig="threePt" dir="t"/>
+    </dgm:scene3d>
+    <dgm:sp3d/>
+    <dgm:txPr/>
+    <dgm:style>
+      <a:lnRef idx="2">
+        <a:scrgbClr r="0" g="0" b="0"/>
+      </a:lnRef>
+      <a:fillRef idx="0">
+        <a:scrgbClr r="0" g="0" b="0"/>
+      </a:fillRef>
+      <a:effectRef idx="0">
+        <a:scrgbClr r="0" g="0" b="0"/>
+      </a:effectRef>
+      <a:fontRef idx="minor"/>
+    </dgm:style>
+  </dgm:styleLbl>
+  <dgm:styleLbl name="fgAcc1">
+    <dgm:scene3d>
+      <a:camera prst="orthographicFront"/>
+      <a:lightRig rig="threePt" dir="t"/>
+    </dgm:scene3d>
+    <dgm:sp3d/>
+    <dgm:txPr/>
+    <dgm:style>
+      <a:lnRef idx="2">
+        <a:scrgbClr r="0" g="0" b="0"/>
+      </a:lnRef>
+      <a:fillRef idx="1">
+        <a:scrgbClr r="0" g="0" b="0"/>
+      </a:fillRef>
+      <a:effectRef idx="0">
+        <a:scrgbClr r="0" g="0" b="0"/>
+      </a:effectRef>
+      <a:fontRef idx="minor"/>
+    </dgm:style>
+  </dgm:styleLbl>
+  <dgm:styleLbl name="conFgAcc1">
+    <dgm:scene3d>
+      <a:camera prst="orthographicFront"/>
+      <a:lightRig rig="threePt" dir="t"/>
+    </dgm:scene3d>
+    <dgm:sp3d/>
+    <dgm:txPr/>
+    <dgm:style>
+      <a:lnRef idx="2">
+        <a:scrgbClr r="0" g="0" b="0"/>
+      </a:lnRef>
+      <a:fillRef idx="1">
+        <a:scrgbClr r="0" g="0" b="0"/>
+      </a:fillRef>
+      <a:effectRef idx="0">
+        <a:scrgbClr r="0" g="0" b="0"/>
+      </a:effectRef>
+      <a:fontRef idx="minor"/>
+    </dgm:style>
+  </dgm:styleLbl>
+  <dgm:styleLbl name="alignAcc1">
+    <dgm:scene3d>
+      <a:camera prst="orthographicFront"/>
+      <a:lightRig rig="threePt" dir="t"/>
+    </dgm:scene3d>
+    <dgm:sp3d/>
+    <dgm:txPr/>
+    <dgm:style>
+      <a:lnRef idx="2">
+        <a:scrgbClr r="0" g="0" b="0"/>
+      </a:lnRef>
+      <a:fillRef idx="1">
+        <a:scrgbClr r="0" g="0" b="0"/>
+      </a:fillRef>
+      <a:effectRef idx="0">
+        <a:scrgbClr r="0" g="0" b="0"/>
+      </a:effectRef>
+      <a:fontRef idx="minor"/>
+    </dgm:style>
+  </dgm:styleLbl>
+  <dgm:styleLbl name="trAlignAcc1">
+    <dgm:scene3d>
+      <a:camera prst="orthographicFront"/>
+      <a:lightRig rig="threePt" dir="t"/>
+    </dgm:scene3d>
+    <dgm:sp3d/>
+    <dgm:txPr/>
+    <dgm:style>
+      <a:lnRef idx="1">
+        <a:scrgbClr r="0" g="0" b="0"/>
+      </a:lnRef>
+      <a:fillRef idx="1">
+        <a:scrgbClr r="0" g="0" b="0"/>
+      </a:fillRef>
+      <a:effectRef idx="0">
+        <a:scrgbClr r="0" g="0" b="0"/>
+      </a:effectRef>
+      <a:fontRef idx="minor"/>
+    </dgm:style>
+  </dgm:styleLbl>
+  <dgm:styleLbl name="bgAcc1">
+    <dgm:scene3d>
+      <a:camera prst="orthographicFront"/>
+      <a:lightRig rig="threePt" dir="t"/>
+    </dgm:scene3d>
+    <dgm:sp3d/>
+    <dgm:txPr/>
+    <dgm:style>
+      <a:lnRef idx="2">
+        <a:scrgbClr r="0" g="0" b="0"/>
+      </a:lnRef>
+      <a:fillRef idx="1">
+        <a:scrgbClr r="0" g="0" b="0"/>
+      </a:fillRef>
+      <a:effectRef idx="0">
+        <a:scrgbClr r="0" g="0" b="0"/>
+      </a:effectRef>
+      <a:fontRef idx="minor"/>
+    </dgm:style>
+  </dgm:styleLbl>
+  <dgm:styleLbl name="solidFgAcc1">
+    <dgm:scene3d>
+      <a:camera prst="orthographicFront"/>
+      <a:lightRig rig="threePt" dir="t"/>
+    </dgm:scene3d>
+    <dgm:sp3d/>
+    <dgm:txPr/>
+    <dgm:style>
+      <a:lnRef idx="2">
+        <a:scrgbClr r="0" g="0" b="0"/>
+      </a:lnRef>
+      <a:fillRef idx="1">
+        <a:scrgbClr r="0" g="0" b="0"/>
+      </a:fillRef>
+      <a:effectRef idx="0">
+        <a:scrgbClr r="0" g="0" b="0"/>
+      </a:effectRef>
+      <a:fontRef idx="minor"/>
+    </dgm:style>
+  </dgm:styleLbl>
+  <dgm:styleLbl name="solidAlignAcc1">
+    <dgm:scene3d>
+      <a:camera prst="orthographicFront"/>
+      <a:lightRig rig="threePt" dir="t"/>
+    </dgm:scene3d>
+    <dgm:sp3d/>
+    <dgm:txPr/>
+    <dgm:style>
+      <a:lnRef idx="2">
+        <a:scrgbClr r="0" g="0" b="0"/>
+      </a:lnRef>
+      <a:fillRef idx="1">
+        <a:scrgbClr r="0" g="0" b="0"/>
+      </a:fillRef>
+      <a:effectRef idx="0">
+        <a:scrgbClr r="0" g="0" b="0"/>
+      </a:effectRef>
+      <a:fontRef idx="minor"/>
+    </dgm:style>
+  </dgm:styleLbl>
+  <dgm:styleLbl name="solidBgAcc1">
+    <dgm:scene3d>
+      <a:camera prst="orthographicFront"/>
+      <a:lightRig rig="threePt" dir="t"/>
+    </dgm:scene3d>
+    <dgm:sp3d/>
+    <dgm:txPr/>
+    <dgm:style>
+      <a:lnRef idx="2">
+        <a:scrgbClr r="0" g="0" b="0"/>
+      </a:lnRef>
+      <a:fillRef idx="1">
+        <a:scrgbClr r="0" g="0" b="0"/>
+      </a:fillRef>
+      <a:effectRef idx="0">
+        <a:scrgbClr r="0" g="0" b="0"/>
+      </a:effectRef>
+      <a:fontRef idx="minor"/>
+    </dgm:style>
+  </dgm:styleLbl>
+  <dgm:styleLbl name="fgAccFollowNode1">
+    <dgm:scene3d>
+      <a:camera prst="orthographicFront"/>
+      <a:lightRig rig="threePt" dir="t"/>
+    </dgm:scene3d>
+    <dgm:sp3d/>
+    <dgm:txPr/>
+    <dgm:style>
+      <a:lnRef idx="2">
+        <a:scrgbClr r="0" g="0" b="0"/>
+      </a:lnRef>
+      <a:fillRef idx="1">
+        <a:scrgbClr r="0" g="0" b="0"/>
+      </a:fillRef>
+      <a:effectRef idx="0">
+        <a:scrgbClr r="0" g="0" b="0"/>
+      </a:effectRef>
+      <a:fontRef idx="minor"/>
+    </dgm:style>
+  </dgm:styleLbl>
+  <dgm:styleLbl name="alignAccFollowNode1">
+    <dgm:scene3d>
+      <a:camera prst="orthographicFront"/>
+      <a:lightRig rig="threePt" dir="t"/>
+    </dgm:scene3d>
+    <dgm:sp3d/>
+    <dgm:txPr/>
+    <dgm:style>
+      <a:lnRef idx="2">
+        <a:scrgbClr r="0" g="0" b="0"/>
+      </a:lnRef>
+      <a:fillRef idx="1">
+        <a:scrgbClr r="0" g="0" b="0"/>
+      </a:fillRef>
+      <a:effectRef idx="0">
+        <a:scrgbClr r="0" g="0" b="0"/>
+      </a:effectRef>
+      <a:fontRef idx="minor"/>
+    </dgm:style>
+  </dgm:styleLbl>
+  <dgm:styleLbl name="bgAccFollowNode1">
+    <dgm:scene3d>
+      <a:camera prst="orthographicFront"/>
+      <a:lightRig rig="threePt" dir="t"/>
+    </dgm:scene3d>
+    <dgm:sp3d/>
+    <dgm:txPr/>
+    <dgm:style>
+      <a:lnRef idx="2">
+        <a:scrgbClr r="0" g="0" b="0"/>
+      </a:lnRef>
+      <a:fillRef idx="1">
+        <a:scrgbClr r="0" g="0" b="0"/>
+      </a:fillRef>
+      <a:effectRef idx="0">
+        <a:scrgbClr r="0" g="0" b="0"/>
+      </a:effectRef>
+      <a:fontRef idx="minor"/>
+    </dgm:style>
+  </dgm:styleLbl>
+  <dgm:styleLbl name="fgAcc0">
+    <dgm:scene3d>
+      <a:camera prst="orthographicFront"/>
+      <a:lightRig rig="threePt" dir="t"/>
+    </dgm:scene3d>
+    <dgm:sp3d/>
+    <dgm:txPr/>
+    <dgm:style>
+      <a:lnRef idx="2">
+        <a:scrgbClr r="0" g="0" b="0"/>
+      </a:lnRef>
+      <a:fillRef idx="1">
+        <a:scrgbClr r="0" g="0" b="0"/>
+      </a:fillRef>
+      <a:effectRef idx="0">
+        <a:scrgbClr r="0" g="0" b="0"/>
+      </a:effectRef>
+      <a:fontRef idx="minor"/>
+    </dgm:style>
+  </dgm:styleLbl>
+  <dgm:styleLbl name="fgAcc2">
+    <dgm:scene3d>
+      <a:camera prst="orthographicFront"/>
+      <a:lightRig rig="threePt" dir="t"/>
+    </dgm:scene3d>
+    <dgm:sp3d/>
+    <dgm:txPr/>
+    <dgm:style>
+      <a:lnRef idx="2">
+        <a:scrgbClr r="0" g="0" b="0"/>
+      </a:lnRef>
+      <a:fillRef idx="1">
+        <a:scrgbClr r="0" g="0" b="0"/>
+      </a:fillRef>
+      <a:effectRef idx="0">
+        <a:scrgbClr r="0" g="0" b="0"/>
+      </a:effectRef>
+      <a:fontRef idx="minor"/>
+    </dgm:style>
+  </dgm:styleLbl>
+  <dgm:styleLbl name="fgAcc3">
+    <dgm:scene3d>
+      <a:camera prst="orthographicFront"/>
+      <a:lightRig rig="threePt" dir="t"/>
+    </dgm:scene3d>
+    <dgm:sp3d/>
+    <dgm:txPr/>
+    <dgm:style>
+      <a:lnRef idx="2">
+        <a:scrgbClr r="0" g="0" b="0"/>
+      </a:lnRef>
+      <a:fillRef idx="1">
+        <a:scrgbClr r="0" g="0" b="0"/>
+      </a:fillRef>
+      <a:effectRef idx="0">
+        <a:scrgbClr r="0" g="0" b="0"/>
+      </a:effectRef>
+      <a:fontRef idx="minor"/>
+    </dgm:style>
+  </dgm:styleLbl>
+  <dgm:styleLbl name="fgAcc4">
+    <dgm:scene3d>
+      <a:camera prst="orthographicFront"/>
+      <a:lightRig rig="threePt" dir="t"/>
+    </dgm:scene3d>
+    <dgm:sp3d/>
+    <dgm:txPr/>
+    <dgm:style>
+      <a:lnRef idx="2">
+        <a:scrgbClr r="0" g="0" b="0"/>
+      </a:lnRef>
+      <a:fillRef idx="1">
+        <a:scrgbClr r="0" g="0" b="0"/>
+      </a:fillRef>
+      <a:effectRef idx="0">
+        <a:scrgbClr r="0" g="0" b="0"/>
+      </a:effectRef>
+      <a:fontRef idx="minor"/>
+    </dgm:style>
+  </dgm:styleLbl>
+  <dgm:styleLbl name="bgShp">
+    <dgm:scene3d>
+      <a:camera prst="orthographicFront"/>
+      <a:lightRig rig="threePt" dir="t"/>
+    </dgm:scene3d>
+    <dgm:sp3d/>
+    <dgm:txPr/>
+    <dgm:style>
+      <a:lnRef idx="0">
+        <a:scrgbClr r="0" g="0" b="0"/>
+      </a:lnRef>
+      <a:fillRef idx="1">
+        <a:scrgbClr r="0" g="0" b="0"/>
+      </a:fillRef>
+      <a:effectRef idx="0">
+        <a:scrgbClr r="0" g="0" b="0"/>
+      </a:effectRef>
+      <a:fontRef idx="minor"/>
+    </dgm:style>
+  </dgm:styleLbl>
+  <dgm:styleLbl name="dkBgShp">
+    <dgm:scene3d>
+      <a:camera prst="orthographicFront"/>
+      <a:lightRig rig="threePt" dir="t"/>
+    </dgm:scene3d>
+    <dgm:sp3d/>
+    <dgm:txPr/>
+    <dgm:style>
+      <a:lnRef idx="0">
+        <a:scrgbClr r="0" g="0" b="0"/>
+      </a:lnRef>
+      <a:fillRef idx="1">
+        <a:scrgbClr r="0" g="0" b="0"/>
+      </a:fillRef>
+      <a:effectRef idx="0">
+        <a:scrgbClr r="0" g="0" b="0"/>
+      </a:effectRef>
+      <a:fontRef idx="minor"/>
+    </dgm:style>
+  </dgm:styleLbl>
+  <dgm:styleLbl name="trBgShp">
+    <dgm:scene3d>
+      <a:camera prst="orthographicFront"/>
+      <a:lightRig rig="threePt" dir="t"/>
+    </dgm:scene3d>
+    <dgm:sp3d/>
+    <dgm:txPr/>
+    <dgm:style>
+      <a:lnRef idx="0">
+        <a:scrgbClr r="0" g="0" b="0"/>
+      </a:lnRef>
+      <a:fillRef idx="1">
+        <a:scrgbClr r="0" g="0" b="0"/>
+      </a:fillRef>
+      <a:effectRef idx="0">
+        <a:scrgbClr r="0" g="0" b="0"/>
+      </a:effectRef>
+      <a:fontRef idx="minor"/>
+    </dgm:style>
+  </dgm:styleLbl>
+  <dgm:styleLbl name="fgShp">
+    <dgm:scene3d>
+      <a:camera prst="orthographicFront"/>
+      <a:lightRig rig="threePt" dir="t"/>
+    </dgm:scene3d>
+    <dgm:sp3d/>
+    <dgm:txPr/>
+    <dgm:style>
+      <a:lnRef idx="2">
+        <a:scrgbClr r="0" g="0" b="0"/>
+      </a:lnRef>
+      <a:fillRef idx="1">
+        <a:scrgbClr r="0" g="0" b="0"/>
+      </a:fillRef>
+      <a:effectRef idx="0">
+        <a:scrgbClr r="0" g="0" b="0"/>
+      </a:effectRef>
+      <a:fontRef idx="minor"/>
+    </dgm:style>
+  </dgm:styleLbl>
+  <dgm:styleLbl name="revTx">
+    <dgm:scene3d>
+      <a:camera prst="orthographicFront"/>
+      <a:lightRig rig="threePt" dir="t"/>
+    </dgm:scene3d>
+    <dgm:sp3d/>
+    <dgm:txPr/>
+    <dgm:style>
+      <a:lnRef idx="0">
+        <a:scrgbClr r="0" g="0" b="0"/>
+      </a:lnRef>
+      <a:fillRef idx="0">
+        <a:scrgbClr r="0" g="0" b="0"/>
+      </a:fillRef>
+      <a:effectRef idx="0">
+        <a:scrgbClr r="0" g="0" b="0"/>
+      </a:effectRef>
+      <a:fontRef idx="minor"/>
+    </dgm:style>
+  </dgm:styleLbl>
+</dgm:styleDef>
+</file>
+
+<file path=ppt/diagrams/quickStyle3.xml><?xml version="1.0" encoding="utf-8"?>
 <dgm:styleDef xmlns:dgm="http://schemas.openxmlformats.org/drawingml/2006/diagram" xmlns:a="http://schemas.openxmlformats.org/drawingml/2006/main" uniqueId="urn:microsoft.com/office/officeart/2005/8/quickstyle/simple1">
   <dgm:title val=""/>
   <dgm:desc val=""/>
@@ -6359,7 +8968,7 @@
           <a:p>
             <a:fld id="{48A87A34-81AB-432B-8DAE-1953F412C126}" type="datetimeFigureOut">
               <a:rPr lang="en-US" smtClean="0"/>
-              <a:t>4/29/2021</a:t>
+              <a:t>4/30/2021</a:t>
             </a:fld>
             <a:endParaRPr lang="en-US" dirty="0"/>
           </a:p>
@@ -6539,7 +9148,7 @@
           <a:p>
             <a:fld id="{48A87A34-81AB-432B-8DAE-1953F412C126}" type="datetimeFigureOut">
               <a:rPr lang="en-US" smtClean="0"/>
-              <a:t>4/29/2021</a:t>
+              <a:t>4/30/2021</a:t>
             </a:fld>
             <a:endParaRPr lang="en-US" dirty="0"/>
           </a:p>
@@ -6723,7 +9332,7 @@
           <a:p>
             <a:fld id="{48A87A34-81AB-432B-8DAE-1953F412C126}" type="datetimeFigureOut">
               <a:rPr lang="en-US" smtClean="0"/>
-              <a:t>4/29/2021</a:t>
+              <a:t>4/30/2021</a:t>
             </a:fld>
             <a:endParaRPr lang="en-US" dirty="0"/>
           </a:p>
@@ -6893,7 +9502,7 @@
           <a:p>
             <a:fld id="{48A87A34-81AB-432B-8DAE-1953F412C126}" type="datetimeFigureOut">
               <a:rPr lang="en-US" smtClean="0"/>
-              <a:t>4/29/2021</a:t>
+              <a:t>4/30/2021</a:t>
             </a:fld>
             <a:endParaRPr lang="en-US" dirty="0"/>
           </a:p>
@@ -7141,7 +9750,7 @@
           <a:p>
             <a:fld id="{48A87A34-81AB-432B-8DAE-1953F412C126}" type="datetimeFigureOut">
               <a:rPr lang="en-US" smtClean="0"/>
-              <a:t>4/29/2021</a:t>
+              <a:t>4/30/2021</a:t>
             </a:fld>
             <a:endParaRPr lang="en-US" dirty="0"/>
           </a:p>
@@ -7378,7 +9987,7 @@
           <a:p>
             <a:fld id="{48A87A34-81AB-432B-8DAE-1953F412C126}" type="datetimeFigureOut">
               <a:rPr lang="en-US" smtClean="0"/>
-              <a:t>4/29/2021</a:t>
+              <a:t>4/30/2021</a:t>
             </a:fld>
             <a:endParaRPr lang="en-US" dirty="0"/>
           </a:p>
@@ -7763,7 +10372,7 @@
           <a:p>
             <a:fld id="{48A87A34-81AB-432B-8DAE-1953F412C126}" type="datetimeFigureOut">
               <a:rPr lang="en-US" smtClean="0"/>
-              <a:t>4/29/2021</a:t>
+              <a:t>4/30/2021</a:t>
             </a:fld>
             <a:endParaRPr lang="en-US" dirty="0"/>
           </a:p>
@@ -7881,7 +10490,7 @@
           <a:p>
             <a:fld id="{48A87A34-81AB-432B-8DAE-1953F412C126}" type="datetimeFigureOut">
               <a:rPr lang="en-US" smtClean="0"/>
-              <a:t>4/29/2021</a:t>
+              <a:t>4/30/2021</a:t>
             </a:fld>
             <a:endParaRPr lang="en-US" dirty="0"/>
           </a:p>
@@ -7976,7 +10585,7 @@
           <a:p>
             <a:fld id="{48A87A34-81AB-432B-8DAE-1953F412C126}" type="datetimeFigureOut">
               <a:rPr lang="en-US" smtClean="0"/>
-              <a:t>4/29/2021</a:t>
+              <a:t>4/30/2021</a:t>
             </a:fld>
             <a:endParaRPr lang="en-US" dirty="0"/>
           </a:p>
@@ -8227,7 +10836,7 @@
           <a:p>
             <a:fld id="{48A87A34-81AB-432B-8DAE-1953F412C126}" type="datetimeFigureOut">
               <a:rPr lang="en-US" smtClean="0"/>
-              <a:t>4/29/2021</a:t>
+              <a:t>4/30/2021</a:t>
             </a:fld>
             <a:endParaRPr lang="en-US" dirty="0"/>
           </a:p>
@@ -8619,7 +11228,7 @@
             <a:fld id="{48A87A34-81AB-432B-8DAE-1953F412C126}" type="datetimeFigureOut">
               <a:rPr lang="en-US" smtClean="0"/>
               <a:pPr/>
-              <a:t>4/29/2021</a:t>
+              <a:t>4/30/2021</a:t>
             </a:fld>
             <a:endParaRPr lang="en-US" dirty="0"/>
           </a:p>
@@ -8838,7 +11447,7 @@
             <a:fld id="{48A87A34-81AB-432B-8DAE-1953F412C126}" type="datetimeFigureOut">
               <a:rPr lang="en-US" smtClean="0"/>
               <a:pPr/>
-              <a:t>4/29/2021</a:t>
+              <a:t>4/30/2021</a:t>
             </a:fld>
             <a:endParaRPr lang="en-US" dirty="0"/>
           </a:p>
@@ -9415,13 +12024,20 @@
             <p:ph type="ctrTitle"/>
           </p:nvPr>
         </p:nvSpPr>
-        <p:spPr/>
+        <p:spPr>
+          <a:xfrm>
+            <a:off x="1774423" y="802299"/>
+            <a:ext cx="8637073" cy="2457736"/>
+          </a:xfrm>
+        </p:spPr>
         <p:txBody>
-          <a:bodyPr/>
+          <a:bodyPr>
+            <a:normAutofit/>
+          </a:bodyPr>
           <a:lstStyle/>
           <a:p>
             <a:r>
-              <a:rPr lang="en-US" dirty="0"/>
+              <a:rPr lang="en-US" sz="7200" dirty="0"/>
               <a:t>Australia Int’l Trading report</a:t>
             </a:r>
           </a:p>
@@ -9439,27 +12055,30 @@
         </p:nvSpPr>
         <p:spPr>
           <a:xfrm>
-            <a:off x="1774424" y="3723011"/>
-            <a:ext cx="8637072" cy="978684"/>
+            <a:off x="1774424" y="3597966"/>
+            <a:ext cx="8637072" cy="1331843"/>
           </a:xfrm>
         </p:spPr>
         <p:txBody>
-          <a:bodyPr/>
+          <a:bodyPr>
+            <a:normAutofit fontScale="55000" lnSpcReduction="20000"/>
+          </a:bodyPr>
           <a:lstStyle/>
           <a:p>
             <a:r>
-              <a:rPr lang="en-US" b="1" dirty="0"/>
-              <a:t>Time series (1987 – 2019) Data visualization:  </a:t>
+              <a:rPr lang="en-US" sz="4400" b="1" dirty="0"/>
+              <a:t>Time series (1987 – 2019) </a:t>
             </a:r>
+            <a:r>
+              <a:rPr lang="en-US" sz="4400" b="1"/>
+              <a:t>Data visualization,  </a:t>
+            </a:r>
+            <a:endParaRPr lang="en-US" sz="4400" b="1" dirty="0"/>
           </a:p>
           <a:p>
             <a:r>
-              <a:rPr lang="en-US" dirty="0"/>
-              <a:t>		           </a:t>
-            </a:r>
-            <a:r>
-              <a:rPr lang="en-US" b="1" dirty="0"/>
-              <a:t>when, where  to buy or sell,  and values.</a:t>
+              <a:rPr lang="en-US" sz="4400" b="1" dirty="0"/>
+              <a:t>when, where  to buy &amp; sell,  values.</a:t>
             </a:r>
           </a:p>
           <a:p>
@@ -9495,7 +12114,7 @@
         </p:blipFill>
         <p:spPr>
           <a:xfrm>
-            <a:off x="1317222" y="1243338"/>
+            <a:off x="1184700" y="925286"/>
             <a:ext cx="914400" cy="914400"/>
           </a:xfrm>
           <a:prstGeom prst="rect">
@@ -9549,7 +12168,12 @@
             <p:ph type="title"/>
           </p:nvPr>
         </p:nvSpPr>
-        <p:spPr/>
+        <p:spPr>
+          <a:xfrm>
+            <a:off x="1451579" y="640244"/>
+            <a:ext cx="9291215" cy="653050"/>
+          </a:xfrm>
+        </p:spPr>
         <p:txBody>
           <a:bodyPr/>
           <a:lstStyle/>
@@ -9579,13 +12203,13 @@
                 <p:ph idx="1"/>
                 <p:extLst>
                   <p:ext uri="{D42A27DB-BD31-4B8C-83A1-F6EECF244321}">
-                    <p14:modId xmlns:p14="http://schemas.microsoft.com/office/powerpoint/2010/main" val="411113564"/>
+                    <p14:modId xmlns:p14="http://schemas.microsoft.com/office/powerpoint/2010/main" val="2894100173"/>
                   </p:ext>
                 </p:extLst>
               </p:nvPr>
             </p:nvGraphicFramePr>
             <p:xfrm>
-              <a:off x="1038293" y="2918828"/>
+              <a:off x="641340" y="2901428"/>
               <a:ext cx="1620478" cy="1167614"/>
             </p:xfrm>
             <a:graphic>
@@ -9676,7 +12300,7 @@
             </p:blipFill>
             <p:spPr>
               <a:xfrm>
-                <a:off x="1038293" y="2918828"/>
+                <a:off x="641340" y="2901428"/>
                 <a:ext cx="1620478" cy="1167614"/>
               </a:xfrm>
               <a:prstGeom prst="rect">
@@ -9700,7 +12324,7 @@
         </p:nvSpPr>
         <p:spPr>
           <a:xfrm>
-            <a:off x="1290385" y="3105834"/>
+            <a:off x="890643" y="3179468"/>
             <a:ext cx="1116295" cy="646331"/>
           </a:xfrm>
           <a:prstGeom prst="rect">
@@ -9723,7 +12347,7 @@
                   </a:schemeClr>
                 </a:solidFill>
               </a:rPr>
-              <a:t>CSV and </a:t>
+              <a:t>    CSV </a:t>
             </a:r>
             <a:r>
               <a:rPr lang="en-GB" dirty="0" err="1">
@@ -9761,7 +12385,7 @@
         </p:nvSpPr>
         <p:spPr>
           <a:xfrm>
-            <a:off x="2900742" y="3242920"/>
+            <a:off x="2520780" y="3208121"/>
             <a:ext cx="676894" cy="519431"/>
           </a:xfrm>
           <a:prstGeom prst="rightArrow">
@@ -9806,13 +12430,13 @@
           <p:nvPr>
             <p:extLst>
               <p:ext uri="{D42A27DB-BD31-4B8C-83A1-F6EECF244321}">
-                <p14:modId xmlns:p14="http://schemas.microsoft.com/office/powerpoint/2010/main" val="2778809020"/>
+                <p14:modId xmlns:p14="http://schemas.microsoft.com/office/powerpoint/2010/main" val="1590999378"/>
               </p:ext>
             </p:extLst>
           </p:nvPr>
         </p:nvGraphicFramePr>
         <p:xfrm>
-          <a:off x="3819607" y="1914895"/>
+          <a:off x="3456636" y="1875184"/>
           <a:ext cx="2859300" cy="3028208"/>
         </p:xfrm>
         <a:graphic>
@@ -9834,13 +12458,13 @@
           <p:nvPr>
             <p:extLst>
               <p:ext uri="{D42A27DB-BD31-4B8C-83A1-F6EECF244321}">
-                <p14:modId xmlns:p14="http://schemas.microsoft.com/office/powerpoint/2010/main" val="4139520342"/>
+                <p14:modId xmlns:p14="http://schemas.microsoft.com/office/powerpoint/2010/main" val="1860605786"/>
               </p:ext>
             </p:extLst>
           </p:nvPr>
         </p:nvGraphicFramePr>
         <p:xfrm>
-          <a:off x="6499270" y="1704521"/>
+          <a:off x="6024503" y="1657741"/>
           <a:ext cx="5185682" cy="3610099"/>
         </p:xfrm>
         <a:graphic>
@@ -9863,7 +12487,7 @@
         </p:nvSpPr>
         <p:spPr>
           <a:xfrm>
-            <a:off x="6861877" y="3277719"/>
+            <a:off x="6583193" y="3220475"/>
             <a:ext cx="726316" cy="484632"/>
           </a:xfrm>
           <a:prstGeom prst="rightArrow">
@@ -9895,6 +12519,34 @@
           </a:p>
         </p:txBody>
       </p:sp>
+      <p:graphicFrame>
+        <p:nvGraphicFramePr>
+          <p:cNvPr id="3" name="Diagram 2">
+            <a:extLst>
+              <a:ext uri="{FF2B5EF4-FFF2-40B4-BE49-F238E27FC236}">
+                <a16:creationId xmlns:a16="http://schemas.microsoft.com/office/drawing/2014/main" id="{DACB8401-CA03-4CD7-87EC-7B0645CDBCF9}"/>
+              </a:ext>
+            </a:extLst>
+          </p:cNvPr>
+          <p:cNvGraphicFramePr/>
+          <p:nvPr>
+            <p:extLst>
+              <p:ext uri="{D42A27DB-BD31-4B8C-83A1-F6EECF244321}">
+                <p14:modId xmlns:p14="http://schemas.microsoft.com/office/powerpoint/2010/main" val="942513833"/>
+              </p:ext>
+            </p:extLst>
+          </p:nvPr>
+        </p:nvGraphicFramePr>
+        <p:xfrm>
+          <a:off x="2032000" y="1293294"/>
+          <a:ext cx="9828696" cy="4845039"/>
+        </p:xfrm>
+        <a:graphic>
+          <a:graphicData uri="http://schemas.openxmlformats.org/drawingml/2006/diagram">
+            <dgm:relIds xmlns:dgm="http://schemas.openxmlformats.org/drawingml/2006/diagram" xmlns:r="http://schemas.openxmlformats.org/officeDocument/2006/relationships" r:dm="rId14" r:lo="rId15" r:qs="rId16" r:cs="rId17"/>
+          </a:graphicData>
+        </a:graphic>
+      </p:graphicFrame>
     </p:spTree>
     <p:extLst>
       <p:ext uri="{BB962C8B-B14F-4D97-AF65-F5344CB8AC3E}">

--- a/test/Australia Int’l Trading report.pptx
+++ b/test/Australia Int’l Trading report.pptx
@@ -13308,7 +13308,7 @@
         <p:spPr>
           <a:xfrm>
             <a:off x="6347361" y="3882887"/>
-            <a:ext cx="914400" cy="1200329"/>
+            <a:ext cx="914400" cy="923330"/>
           </a:xfrm>
           <a:prstGeom prst="rect">
             <a:avLst/>
@@ -13321,28 +13321,13 @@
           </a:bodyPr>
           <a:lstStyle/>
           <a:p>
-            <a:r>
-              <a:rPr lang="en-AU" dirty="0">
-                <a:solidFill>
-                  <a:schemeClr val="accent1">
-                    <a:lumMod val="50000"/>
-                  </a:schemeClr>
-                </a:solidFill>
-              </a:rPr>
-              <a:t>TONY</a:t>
-            </a:r>
-          </a:p>
-          <a:p>
-            <a:r>
-              <a:rPr lang="en-AU" dirty="0">
-                <a:solidFill>
-                  <a:schemeClr val="accent1">
-                    <a:lumMod val="50000"/>
-                  </a:schemeClr>
-                </a:solidFill>
-              </a:rPr>
-              <a:t>ZHAO</a:t>
-            </a:r>
+            <a:endParaRPr lang="en-AU" dirty="0">
+              <a:solidFill>
+                <a:schemeClr val="accent1">
+                  <a:lumMod val="50000"/>
+                </a:schemeClr>
+              </a:solidFill>
+            </a:endParaRPr>
           </a:p>
           <a:p>
             <a:r>
